--- a/STL/STL_Presentation.pptx
+++ b/STL/STL_Presentation.pptx
@@ -13,7 +13,6 @@
     <p:sldId id="264" r:id="rId7"/>
     <p:sldId id="265" r:id="rId8"/>
     <p:sldId id="266" r:id="rId9"/>
-    <p:sldId id="261" r:id="rId10"/>
   </p:sldIdLst>
   <p:sldSz cx="12192000" cy="6858000"/>
   <p:notesSz cx="6858000" cy="9144000"/>
@@ -3362,31 +3361,6 @@
           </a:p>
         </p:txBody>
       </p:sp>
-      <p:sp>
-        <p:nvSpPr>
-          <p:cNvPr id="3" name="Subtitle 2">
-            <a:extLst>
-              <a:ext uri="{FF2B5EF4-FFF2-40B4-BE49-F238E27FC236}">
-                <a16:creationId xmlns:a16="http://schemas.microsoft.com/office/drawing/2014/main" id="{9DEEBC61-71AA-5F8B-0115-84BF38E7BDE6}"/>
-              </a:ext>
-            </a:extLst>
-          </p:cNvPr>
-          <p:cNvSpPr>
-            <a:spLocks noGrp="1"/>
-          </p:cNvSpPr>
-          <p:nvPr>
-            <p:ph type="subTitle" idx="1"/>
-          </p:nvPr>
-        </p:nvSpPr>
-        <p:spPr/>
-        <p:txBody>
-          <a:bodyPr/>
-          <a:lstStyle/>
-          <a:p>
-            <a:endParaRPr lang="en-US"/>
-          </a:p>
-        </p:txBody>
-      </p:sp>
     </p:spTree>
     <p:extLst>
       <p:ext uri="{BB962C8B-B14F-4D97-AF65-F5344CB8AC3E}">
@@ -3461,7 +3435,12 @@
             <p:ph idx="1"/>
           </p:nvPr>
         </p:nvSpPr>
-        <p:spPr/>
+        <p:spPr>
+          <a:xfrm>
+            <a:off x="838200" y="1825625"/>
+            <a:ext cx="3201955" cy="4351338"/>
+          </a:xfrm>
+        </p:spPr>
         <p:txBody>
           <a:bodyPr/>
           <a:lstStyle/>
@@ -3510,6 +3489,60 @@
           </a:p>
           <a:p>
             <a:endParaRPr lang="en-US" dirty="0"/>
+          </a:p>
+        </p:txBody>
+      </p:sp>
+      <p:sp>
+        <p:nvSpPr>
+          <p:cNvPr id="4" name="TextBox 3">
+            <a:extLst>
+              <a:ext uri="{FF2B5EF4-FFF2-40B4-BE49-F238E27FC236}">
+                <a16:creationId xmlns:a16="http://schemas.microsoft.com/office/drawing/2014/main" id="{E467C893-9420-BEA5-3E87-0A64EBA96C94}"/>
+              </a:ext>
+            </a:extLst>
+          </p:cNvPr>
+          <p:cNvSpPr txBox="1"/>
+          <p:nvPr/>
+        </p:nvSpPr>
+        <p:spPr>
+          <a:xfrm>
+            <a:off x="6096000" y="4385387"/>
+            <a:ext cx="5257800" cy="1200329"/>
+          </a:xfrm>
+          <a:prstGeom prst="rect">
+            <a:avLst/>
+          </a:prstGeom>
+          <a:noFill/>
+        </p:spPr>
+        <p:txBody>
+          <a:bodyPr wrap="square" rtlCol="0">
+            <a:spAutoFit/>
+          </a:bodyPr>
+          <a:lstStyle/>
+          <a:p>
+            <a:r>
+              <a:rPr lang="en-US" dirty="0"/>
+              <a:t>- General Description</a:t>
+            </a:r>
+          </a:p>
+          <a:p>
+            <a:r>
+              <a:rPr lang="en-US" dirty="0"/>
+              <a:t>- Interesting member functions and related topics</a:t>
+            </a:r>
+          </a:p>
+          <a:p>
+            <a:r>
+              <a:rPr lang="en-US" dirty="0"/>
+              <a:t>- Time Complexity</a:t>
+            </a:r>
+          </a:p>
+          <a:p>
+            <a:r>
+              <a:rPr lang="en-US" dirty="0"/>
+              <a:t>- Comparison with Python</a:t>
+            </a:r>
+            <a:endParaRPr lang="en-GB" dirty="0"/>
           </a:p>
         </p:txBody>
       </p:sp>
@@ -3571,7 +3604,7 @@
           <a:p>
             <a:r>
               <a:rPr lang="en-US" dirty="0"/>
-              <a:t>Std::vector</a:t>
+              <a:t>vector</a:t>
             </a:r>
           </a:p>
         </p:txBody>
@@ -3838,13 +3871,13 @@
           <a:p>
             <a:r>
               <a:rPr lang="en-US" dirty="0"/>
-              <a:t>Std::vector</a:t>
-            </a:r>
-          </a:p>
-        </p:txBody>
-      </p:sp>
-      <mc:AlternateContent xmlns:mc="http://schemas.openxmlformats.org/markup-compatibility/2006">
-        <mc:Choice xmlns:a14="http://schemas.microsoft.com/office/drawing/2010/main" Requires="a14">
+              <a:t>vector</a:t>
+            </a:r>
+          </a:p>
+        </p:txBody>
+      </p:sp>
+      <mc:AlternateContent xmlns:mc="http://schemas.openxmlformats.org/markup-compatibility/2006" xmlns:a14="http://schemas.microsoft.com/office/drawing/2010/main">
+        <mc:Choice Requires="a14">
           <p:sp>
             <p:nvSpPr>
               <p:cNvPr id="3" name="Content Placeholder 2">
@@ -4115,7 +4148,7 @@
             </p:txBody>
           </p:sp>
         </mc:Choice>
-        <mc:Fallback>
+        <mc:Fallback xmlns="">
           <p:sp>
             <p:nvSpPr>
               <p:cNvPr id="3" name="Content Placeholder 2">
@@ -4303,7 +4336,7 @@
             <a:pPr lvl="2"/>
             <a:r>
               <a:rPr lang="en-GB" dirty="0"/>
-              <a:t>Easier initialisation for string</a:t>
+              <a:t>Easier initialisation and functions for string</a:t>
             </a:r>
           </a:p>
           <a:p>
@@ -4326,6 +4359,13 @@
             </a:r>
           </a:p>
           <a:p>
+            <a:pPr lvl="2"/>
+            <a:r>
+              <a:rPr lang="en-GB" dirty="0"/>
+              <a:t>??</a:t>
+            </a:r>
+          </a:p>
+          <a:p>
             <a:pPr lvl="1"/>
             <a:endParaRPr lang="en-GB" dirty="0"/>
           </a:p>
@@ -4341,7 +4381,7 @@
             </a:r>
             <a:r>
               <a:rPr lang="en-US" dirty="0" err="1"/>
-              <a:t>std:stiring</a:t>
+              <a:t>std:string</a:t>
             </a:r>
             <a:r>
               <a:rPr lang="en-US" dirty="0"/>
@@ -4490,7 +4530,21 @@
             <a:pPr lvl="1"/>
             <a:r>
               <a:rPr lang="en-GB" dirty="0"/>
-              <a:t>Iterator invalidation ??</a:t>
+              <a:t>Iterator invalidation –</a:t>
+            </a:r>
+          </a:p>
+          <a:p>
+            <a:pPr lvl="2"/>
+            <a:r>
+              <a:rPr lang="en-GB" dirty="0"/>
+              <a:t>??</a:t>
+            </a:r>
+          </a:p>
+          <a:p>
+            <a:pPr lvl="2"/>
+            <a:r>
+              <a:rPr lang="en-GB" dirty="0"/>
+              <a:t>Unable to reproduce in code.</a:t>
             </a:r>
           </a:p>
           <a:p>
@@ -4766,1494 +4820,61 @@
           <a:lstStyle/>
           <a:p>
             <a:r>
-              <a:rPr lang="en-GB" dirty="0"/>
-              <a:t>Elements stored  as a dictionary without any </a:t>
-            </a:r>
-            <a:r>
-              <a:rPr lang="en-GB"/>
-              <a:t>order.</a:t>
-            </a:r>
+              <a:rPr lang="en-US" dirty="0"/>
+              <a:t>??</a:t>
+            </a:r>
+          </a:p>
+          <a:p>
+            <a:r>
+              <a:rPr lang="en-US" dirty="0"/>
+              <a:t>Class Template</a:t>
+            </a:r>
+          </a:p>
+          <a:p>
+            <a:r>
+              <a:rPr lang="en-US" dirty="0"/>
+              <a:t>Manages a value that may or may not be present.</a:t>
+            </a:r>
+          </a:p>
+          <a:p>
             <a:endParaRPr lang="en-GB" dirty="0"/>
           </a:p>
         </p:txBody>
       </p:sp>
+      <p:pic>
+        <p:nvPicPr>
+          <p:cNvPr id="5" name="Picture 4">
+            <a:extLst>
+              <a:ext uri="{FF2B5EF4-FFF2-40B4-BE49-F238E27FC236}">
+                <a16:creationId xmlns:a16="http://schemas.microsoft.com/office/drawing/2014/main" id="{15F35BBA-749B-99D0-DD21-D939C9EA9F8A}"/>
+              </a:ext>
+            </a:extLst>
+          </p:cNvPr>
+          <p:cNvPicPr>
+            <a:picLocks noChangeAspect="1"/>
+          </p:cNvPicPr>
+          <p:nvPr/>
+        </p:nvPicPr>
+        <p:blipFill>
+          <a:blip r:embed="rId2"/>
+          <a:stretch>
+            <a:fillRect/>
+          </a:stretch>
+        </p:blipFill>
+        <p:spPr>
+          <a:xfrm>
+            <a:off x="3983551" y="3840346"/>
+            <a:ext cx="7487695" cy="1324160"/>
+          </a:xfrm>
+          <a:prstGeom prst="rect">
+            <a:avLst/>
+          </a:prstGeom>
+        </p:spPr>
+      </p:pic>
     </p:spTree>
     <p:extLst>
       <p:ext uri="{BB962C8B-B14F-4D97-AF65-F5344CB8AC3E}">
         <p14:creationId xmlns:p14="http://schemas.microsoft.com/office/powerpoint/2010/main" val="3384942037"/>
-      </p:ext>
-    </p:extLst>
-  </p:cSld>
-  <p:clrMapOvr>
-    <a:masterClrMapping/>
-  </p:clrMapOvr>
-</p:sld>
-</file>
-
-<file path=ppt/slides/slide9.xml><?xml version="1.0" encoding="utf-8"?>
-<p:sld xmlns:a="http://schemas.openxmlformats.org/drawingml/2006/main" xmlns:r="http://schemas.openxmlformats.org/officeDocument/2006/relationships" xmlns:p="http://schemas.openxmlformats.org/presentationml/2006/main">
-  <p:cSld>
-    <p:spTree>
-      <p:nvGrpSpPr>
-        <p:cNvPr id="1" name=""/>
-        <p:cNvGrpSpPr/>
-        <p:nvPr/>
-      </p:nvGrpSpPr>
-      <p:grpSpPr>
-        <a:xfrm>
-          <a:off x="0" y="0"/>
-          <a:ext cx="0" cy="0"/>
-          <a:chOff x="0" y="0"/>
-          <a:chExt cx="0" cy="0"/>
-        </a:xfrm>
-      </p:grpSpPr>
-      <p:sp>
-        <p:nvSpPr>
-          <p:cNvPr id="2" name="Title 1">
-            <a:extLst>
-              <a:ext uri="{FF2B5EF4-FFF2-40B4-BE49-F238E27FC236}">
-                <a16:creationId xmlns:a16="http://schemas.microsoft.com/office/drawing/2014/main" id="{7E9F02AB-00A8-F204-A938-6ECB39CC53F6}"/>
-              </a:ext>
-            </a:extLst>
-          </p:cNvPr>
-          <p:cNvSpPr>
-            <a:spLocks noGrp="1"/>
-          </p:cNvSpPr>
-          <p:nvPr>
-            <p:ph type="title"/>
-          </p:nvPr>
-        </p:nvSpPr>
-        <p:spPr/>
-        <p:txBody>
-          <a:bodyPr/>
-          <a:lstStyle/>
-          <a:p>
-            <a:r>
-              <a:rPr lang="en-US" dirty="0"/>
-              <a:t>Reference</a:t>
-            </a:r>
-          </a:p>
-        </p:txBody>
-      </p:sp>
-      <p:graphicFrame>
-        <p:nvGraphicFramePr>
-          <p:cNvPr id="5" name="Table 5">
-            <a:extLst>
-              <a:ext uri="{FF2B5EF4-FFF2-40B4-BE49-F238E27FC236}">
-                <a16:creationId xmlns:a16="http://schemas.microsoft.com/office/drawing/2014/main" id="{A8541E07-6D5C-700F-F710-AE59D6B95A3B}"/>
-              </a:ext>
-            </a:extLst>
-          </p:cNvPr>
-          <p:cNvGraphicFramePr>
-            <a:graphicFrameLocks noGrp="1"/>
-          </p:cNvGraphicFramePr>
-          <p:nvPr>
-            <p:ph idx="1"/>
-            <p:extLst>
-              <p:ext uri="{D42A27DB-BD31-4B8C-83A1-F6EECF244321}">
-                <p14:modId xmlns:p14="http://schemas.microsoft.com/office/powerpoint/2010/main" val="2014594132"/>
-              </p:ext>
-            </p:extLst>
-          </p:nvPr>
-        </p:nvGraphicFramePr>
-        <p:xfrm>
-          <a:off x="838200" y="1825625"/>
-          <a:ext cx="10663518" cy="4028440"/>
-        </p:xfrm>
-        <a:graphic>
-          <a:graphicData uri="http://schemas.openxmlformats.org/drawingml/2006/table">
-            <a:tbl>
-              <a:tblPr firstRow="1" bandRow="1">
-                <a:tableStyleId>{21E4AEA4-8DFA-4A89-87EB-49C32662AFE0}</a:tableStyleId>
-              </a:tblPr>
-              <a:tblGrid>
-                <a:gridCol w="4974091">
-                  <a:extLst>
-                    <a:ext uri="{9D8B030D-6E8A-4147-A177-3AD203B41FA5}">
-                      <a16:colId xmlns:a16="http://schemas.microsoft.com/office/drawing/2014/main" val="3965392556"/>
-                    </a:ext>
-                  </a:extLst>
-                </a:gridCol>
-                <a:gridCol w="5689427">
-                  <a:extLst>
-                    <a:ext uri="{9D8B030D-6E8A-4147-A177-3AD203B41FA5}">
-                      <a16:colId xmlns:a16="http://schemas.microsoft.com/office/drawing/2014/main" val="711243295"/>
-                    </a:ext>
-                  </a:extLst>
-                </a:gridCol>
-              </a:tblGrid>
-              <a:tr h="370840">
-                <a:tc>
-                  <a:txBody>
-                    <a:bodyPr/>
-                    <a:lstStyle/>
-                    <a:p>
-                      <a:pPr>
-                        <a:lnSpc>
-                          <a:spcPct val="150000"/>
-                        </a:lnSpc>
-                      </a:pPr>
-                      <a:r>
-                        <a:rPr lang="en-US" sz="1000" b="1" kern="1200" dirty="0">
-                          <a:solidFill>
-                            <a:schemeClr val="dk1"/>
-                          </a:solidFill>
-                          <a:latin typeface="+mn-lt"/>
-                          <a:ea typeface="+mn-ea"/>
-                          <a:cs typeface="+mn-cs"/>
-                        </a:rPr>
-                        <a:t>STL</a:t>
-                      </a:r>
-                    </a:p>
-                    <a:p>
-                      <a:r>
-                        <a:rPr lang="en-US" sz="1000" b="1" dirty="0">
-                          <a:hlinkClick r:id="rId2"/>
-                        </a:rPr>
-                        <a:t>https://stackoverflow.com/a/2826347/4168707</a:t>
-                      </a:r>
-                      <a:endParaRPr lang="en-US" sz="1000" b="1" dirty="0"/>
-                    </a:p>
-                    <a:p>
-                      <a:endParaRPr lang="en-US" sz="1000" b="1" dirty="0"/>
-                    </a:p>
-                  </a:txBody>
-                  <a:tcPr>
-                    <a:lnL w="12700" cap="flat" cmpd="sng" algn="ctr">
-                      <a:solidFill>
-                        <a:schemeClr val="tx1"/>
-                      </a:solidFill>
-                      <a:prstDash val="solid"/>
-                      <a:round/>
-                      <a:headEnd type="none" w="med" len="med"/>
-                      <a:tailEnd type="none" w="med" len="med"/>
-                    </a:lnL>
-                    <a:lnR w="12700" cap="flat" cmpd="sng" algn="ctr">
-                      <a:solidFill>
-                        <a:schemeClr val="tx1"/>
-                      </a:solidFill>
-                      <a:prstDash val="solid"/>
-                      <a:round/>
-                      <a:headEnd type="none" w="med" len="med"/>
-                      <a:tailEnd type="none" w="med" len="med"/>
-                    </a:lnR>
-                    <a:lnT w="12700" cap="flat" cmpd="sng" algn="ctr">
-                      <a:solidFill>
-                        <a:schemeClr val="tx1"/>
-                      </a:solidFill>
-                      <a:prstDash val="solid"/>
-                      <a:round/>
-                      <a:headEnd type="none" w="med" len="med"/>
-                      <a:tailEnd type="none" w="med" len="med"/>
-                    </a:lnT>
-                    <a:lnB w="12700" cap="flat" cmpd="sng" algn="ctr">
-                      <a:solidFill>
-                        <a:schemeClr val="tx1"/>
-                      </a:solidFill>
-                      <a:prstDash val="solid"/>
-                      <a:round/>
-                      <a:headEnd type="none" w="med" len="med"/>
-                      <a:tailEnd type="none" w="med" len="med"/>
-                    </a:lnB>
-                    <a:lnTlToBr w="12700" cmpd="sng">
-                      <a:noFill/>
-                      <a:prstDash val="solid"/>
-                    </a:lnTlToBr>
-                    <a:lnBlToTr w="12700" cmpd="sng">
-                      <a:noFill/>
-                      <a:prstDash val="solid"/>
-                    </a:lnBlToTr>
-                    <a:solidFill>
-                      <a:schemeClr val="accent4">
-                        <a:lumMod val="40000"/>
-                        <a:lumOff val="60000"/>
-                      </a:schemeClr>
-                    </a:solidFill>
-                  </a:tcPr>
-                </a:tc>
-                <a:tc>
-                  <a:txBody>
-                    <a:bodyPr/>
-                    <a:lstStyle/>
-                    <a:p>
-                      <a:pPr marL="0" indent="0" algn="l" defTabSz="914400" rtl="0" eaLnBrk="1" latinLnBrk="0" hangingPunct="1">
-                        <a:lnSpc>
-                          <a:spcPct val="150000"/>
-                        </a:lnSpc>
-                        <a:buNone/>
-                        <a:defRPr/>
-                      </a:pPr>
-                      <a:r>
-                        <a:rPr lang="en-US" sz="1000" b="1" kern="1200" dirty="0">
-                          <a:solidFill>
-                            <a:schemeClr val="dk1"/>
-                          </a:solidFill>
-                          <a:latin typeface="+mn-lt"/>
-                          <a:ea typeface="+mn-ea"/>
-                          <a:cs typeface="+mn-cs"/>
-                        </a:rPr>
-                        <a:t>Memory management Python</a:t>
-                      </a:r>
-                    </a:p>
-                    <a:p>
-                      <a:pPr marL="0" indent="0">
-                        <a:buNone/>
-                        <a:defRPr/>
-                      </a:pPr>
-                      <a:r>
-                        <a:rPr lang="en-US" sz="1000" b="1" dirty="0">
-                          <a:solidFill>
-                            <a:prstClr val="black"/>
-                          </a:solidFill>
-                          <a:hlinkClick r:id="rId3"/>
-                        </a:rPr>
-                        <a:t>https://bit.ly/3EQHoxH</a:t>
-                      </a:r>
-                    </a:p>
-                    <a:p>
-                      <a:pPr marL="0" indent="0">
-                        <a:buNone/>
-                        <a:defRPr/>
-                      </a:pPr>
-                      <a:r>
-                        <a:rPr lang="en-US" sz="1000" b="1" dirty="0">
-                          <a:solidFill>
-                            <a:prstClr val="black"/>
-                          </a:solidFill>
-                          <a:hlinkClick r:id="rId3"/>
-                        </a:rPr>
-                        <a:t>https://stackoverflow.com/a/68637039/4168707</a:t>
-                      </a:r>
-                      <a:endParaRPr lang="en-US" sz="1000" b="1" dirty="0">
-                        <a:solidFill>
-                          <a:prstClr val="black"/>
-                        </a:solidFill>
-                      </a:endParaRPr>
-                    </a:p>
-                  </a:txBody>
-                  <a:tcPr>
-                    <a:lnL w="12700" cap="flat" cmpd="sng" algn="ctr">
-                      <a:solidFill>
-                        <a:schemeClr val="tx1"/>
-                      </a:solidFill>
-                      <a:prstDash val="solid"/>
-                      <a:round/>
-                      <a:headEnd type="none" w="med" len="med"/>
-                      <a:tailEnd type="none" w="med" len="med"/>
-                    </a:lnL>
-                    <a:lnR w="12700" cap="flat" cmpd="sng" algn="ctr">
-                      <a:solidFill>
-                        <a:schemeClr val="tx1"/>
-                      </a:solidFill>
-                      <a:prstDash val="solid"/>
-                      <a:round/>
-                      <a:headEnd type="none" w="med" len="med"/>
-                      <a:tailEnd type="none" w="med" len="med"/>
-                    </a:lnR>
-                    <a:lnT w="12700" cap="flat" cmpd="sng" algn="ctr">
-                      <a:solidFill>
-                        <a:schemeClr val="tx1"/>
-                      </a:solidFill>
-                      <a:prstDash val="solid"/>
-                      <a:round/>
-                      <a:headEnd type="none" w="med" len="med"/>
-                      <a:tailEnd type="none" w="med" len="med"/>
-                    </a:lnT>
-                    <a:lnB w="12700" cap="flat" cmpd="sng" algn="ctr">
-                      <a:solidFill>
-                        <a:schemeClr val="tx1"/>
-                      </a:solidFill>
-                      <a:prstDash val="solid"/>
-                      <a:round/>
-                      <a:headEnd type="none" w="med" len="med"/>
-                      <a:tailEnd type="none" w="med" len="med"/>
-                    </a:lnB>
-                    <a:lnTlToBr w="12700" cmpd="sng">
-                      <a:noFill/>
-                      <a:prstDash val="solid"/>
-                    </a:lnTlToBr>
-                    <a:lnBlToTr w="12700" cmpd="sng">
-                      <a:noFill/>
-                      <a:prstDash val="solid"/>
-                    </a:lnBlToTr>
-                    <a:solidFill>
-                      <a:schemeClr val="accent4">
-                        <a:lumMod val="40000"/>
-                        <a:lumOff val="60000"/>
-                      </a:schemeClr>
-                    </a:solidFill>
-                  </a:tcPr>
-                </a:tc>
-                <a:extLst>
-                  <a:ext uri="{0D108BD9-81ED-4DB2-BD59-A6C34878D82A}">
-                    <a16:rowId xmlns:a16="http://schemas.microsoft.com/office/drawing/2014/main" val="223633179"/>
-                  </a:ext>
-                </a:extLst>
-              </a:tr>
-              <a:tr h="370840">
-                <a:tc>
-                  <a:txBody>
-                    <a:bodyPr/>
-                    <a:lstStyle/>
-                    <a:p>
-                      <a:pPr marL="0" marR="0" lvl="0" indent="0" algn="l" defTabSz="914400" rtl="0" eaLnBrk="1" fontAlgn="auto" latinLnBrk="0" hangingPunct="1">
-                        <a:lnSpc>
-                          <a:spcPct val="150000"/>
-                        </a:lnSpc>
-                        <a:spcBef>
-                          <a:spcPts val="1000"/>
-                        </a:spcBef>
-                        <a:spcAft>
-                          <a:spcPts val="0"/>
-                        </a:spcAft>
-                        <a:buClrTx/>
-                        <a:buSzTx/>
-                        <a:buFont typeface="Arial" panose="020B0604020202020204" pitchFamily="34" charset="0"/>
-                        <a:buNone/>
-                        <a:tabLst/>
-                        <a:defRPr/>
-                      </a:pPr>
-                      <a:r>
-                        <a:rPr lang="en-US" sz="1000" b="1" kern="1200" dirty="0">
-                          <a:solidFill>
-                            <a:schemeClr val="dk1"/>
-                          </a:solidFill>
-                          <a:latin typeface="+mn-lt"/>
-                          <a:ea typeface="+mn-ea"/>
-                          <a:cs typeface="+mn-cs"/>
-                        </a:rPr>
-                        <a:t>Vector</a:t>
-                      </a:r>
-                      <a:endParaRPr lang="en-US" sz="1000" b="1" kern="1200" noProof="0" dirty="0">
-                        <a:solidFill>
-                          <a:schemeClr val="dk1"/>
-                        </a:solidFill>
-                        <a:latin typeface="+mn-lt"/>
-                        <a:ea typeface="+mn-ea"/>
-                        <a:cs typeface="+mn-cs"/>
-                      </a:endParaRPr>
-                    </a:p>
-                    <a:p>
-                      <a:pPr marL="0" indent="0">
-                        <a:buNone/>
-                        <a:defRPr/>
-                      </a:pPr>
-                      <a:r>
-                        <a:rPr kumimoji="0" lang="en-US" sz="1000" b="1" u="none" strike="noStrike" kern="1200" cap="none" spc="0" normalizeH="0" baseline="0" noProof="0" dirty="0">
-                          <a:ln>
-                            <a:noFill/>
-                          </a:ln>
-                          <a:solidFill>
-                            <a:prstClr val="black"/>
-                          </a:solidFill>
-                          <a:effectLst/>
-                          <a:uLnTx/>
-                          <a:uFillTx/>
-                          <a:hlinkClick r:id="rId4"/>
-                        </a:rPr>
-                        <a:t>https://www.geeksforgeeks.org/vector-in-cpp-stl/</a:t>
-                      </a:r>
-                      <a:endParaRPr kumimoji="0" lang="en-US" sz="1000" b="1" i="0" u="none" strike="noStrike" kern="1200" cap="none" spc="0" normalizeH="0" baseline="0" noProof="0" dirty="0">
-                        <a:ln>
-                          <a:noFill/>
-                        </a:ln>
-                        <a:solidFill>
-                          <a:prstClr val="black"/>
-                        </a:solidFill>
-                        <a:effectLst/>
-                        <a:uLnTx/>
-                        <a:uFillTx/>
-                        <a:latin typeface="+mn-lt"/>
-                        <a:ea typeface="+mn-ea"/>
-                        <a:cs typeface="+mn-cs"/>
-                      </a:endParaRPr>
-                    </a:p>
-                  </a:txBody>
-                  <a:tcPr>
-                    <a:lnL w="12700" cap="flat" cmpd="sng" algn="ctr">
-                      <a:solidFill>
-                        <a:schemeClr val="tx1"/>
-                      </a:solidFill>
-                      <a:prstDash val="solid"/>
-                      <a:round/>
-                      <a:headEnd type="none" w="med" len="med"/>
-                      <a:tailEnd type="none" w="med" len="med"/>
-                    </a:lnL>
-                    <a:lnR w="12700" cap="flat" cmpd="sng" algn="ctr">
-                      <a:solidFill>
-                        <a:schemeClr val="tx1"/>
-                      </a:solidFill>
-                      <a:prstDash val="solid"/>
-                      <a:round/>
-                      <a:headEnd type="none" w="med" len="med"/>
-                      <a:tailEnd type="none" w="med" len="med"/>
-                    </a:lnR>
-                    <a:lnT w="12700" cap="flat" cmpd="sng" algn="ctr">
-                      <a:solidFill>
-                        <a:schemeClr val="tx1"/>
-                      </a:solidFill>
-                      <a:prstDash val="solid"/>
-                      <a:round/>
-                      <a:headEnd type="none" w="med" len="med"/>
-                      <a:tailEnd type="none" w="med" len="med"/>
-                    </a:lnT>
-                    <a:lnB w="12700" cap="flat" cmpd="sng" algn="ctr">
-                      <a:solidFill>
-                        <a:schemeClr val="tx1"/>
-                      </a:solidFill>
-                      <a:prstDash val="solid"/>
-                      <a:round/>
-                      <a:headEnd type="none" w="med" len="med"/>
-                      <a:tailEnd type="none" w="med" len="med"/>
-                    </a:lnB>
-                    <a:lnTlToBr w="12700" cmpd="sng">
-                      <a:noFill/>
-                      <a:prstDash val="solid"/>
-                    </a:lnTlToBr>
-                    <a:lnBlToTr w="12700" cmpd="sng">
-                      <a:noFill/>
-                      <a:prstDash val="solid"/>
-                    </a:lnBlToTr>
-                    <a:solidFill>
-                      <a:schemeClr val="accent4">
-                        <a:lumMod val="20000"/>
-                        <a:lumOff val="80000"/>
-                      </a:schemeClr>
-                    </a:solidFill>
-                  </a:tcPr>
-                </a:tc>
-                <a:tc>
-                  <a:txBody>
-                    <a:bodyPr/>
-                    <a:lstStyle/>
-                    <a:p>
-                      <a:pPr marL="0" indent="0" algn="l" defTabSz="914400" rtl="0" eaLnBrk="1" latinLnBrk="0" hangingPunct="1">
-                        <a:lnSpc>
-                          <a:spcPct val="150000"/>
-                        </a:lnSpc>
-                        <a:buNone/>
-                        <a:defRPr/>
-                      </a:pPr>
-                      <a:r>
-                        <a:rPr lang="en-US" sz="1000" b="1" kern="1200" dirty="0">
-                          <a:solidFill>
-                            <a:schemeClr val="dk1"/>
-                          </a:solidFill>
-                          <a:latin typeface="+mn-lt"/>
-                          <a:ea typeface="+mn-ea"/>
-                          <a:cs typeface="+mn-cs"/>
-                        </a:rPr>
-                        <a:t>Iterator Invalidation</a:t>
-                      </a:r>
-                    </a:p>
-                    <a:p>
-                      <a:pPr marL="0" indent="0">
-                        <a:buNone/>
-                        <a:defRPr/>
-                      </a:pPr>
-                      <a:r>
-                        <a:rPr lang="en-US" sz="1000" b="1" dirty="0">
-                          <a:solidFill>
-                            <a:prstClr val="black"/>
-                          </a:solidFill>
-                          <a:hlinkClick r:id="rId5"/>
-                        </a:rPr>
-                        <a:t>https://www.geeksforgeeks.org/iterator-invalidation-cpp/</a:t>
-                      </a:r>
-                      <a:endParaRPr lang="en-US" sz="1000" b="1" dirty="0">
-                        <a:solidFill>
-                          <a:prstClr val="black"/>
-                        </a:solidFill>
-                      </a:endParaRPr>
-                    </a:p>
-                    <a:p>
-                      <a:pPr marL="0" indent="0">
-                        <a:buNone/>
-                        <a:defRPr/>
-                      </a:pPr>
-                      <a:r>
-                        <a:rPr lang="en-US" sz="1000" b="1" dirty="0">
-                          <a:solidFill>
-                            <a:prstClr val="black"/>
-                          </a:solidFill>
-                          <a:hlinkClick r:id="rId6"/>
-                        </a:rPr>
-                        <a:t>https://en.cppreference.com/w/cpp/container/vector/reserve</a:t>
-                      </a:r>
-                      <a:endParaRPr lang="en-US" sz="1000" b="1" dirty="0">
-                        <a:solidFill>
-                          <a:prstClr val="black"/>
-                        </a:solidFill>
-                      </a:endParaRPr>
-                    </a:p>
-                    <a:p>
-                      <a:pPr marL="0" indent="0">
-                        <a:buNone/>
-                        <a:defRPr/>
-                      </a:pPr>
-                      <a:r>
-                        <a:rPr lang="en-US" sz="1000" b="1" dirty="0">
-                          <a:solidFill>
-                            <a:prstClr val="black"/>
-                          </a:solidFill>
-                          <a:hlinkClick r:id="rId7"/>
-                        </a:rPr>
-                        <a:t>https://stackoverflow.com/a/6438087/4168707</a:t>
-                      </a:r>
-                      <a:endParaRPr lang="en-US" sz="1000" b="1" dirty="0">
-                        <a:solidFill>
-                          <a:prstClr val="black"/>
-                        </a:solidFill>
-                        <a:latin typeface="+mn-lt"/>
-                      </a:endParaRPr>
-                    </a:p>
-                  </a:txBody>
-                  <a:tcPr>
-                    <a:lnL w="12700" cap="flat" cmpd="sng" algn="ctr">
-                      <a:solidFill>
-                        <a:schemeClr val="tx1"/>
-                      </a:solidFill>
-                      <a:prstDash val="solid"/>
-                      <a:round/>
-                      <a:headEnd type="none" w="med" len="med"/>
-                      <a:tailEnd type="none" w="med" len="med"/>
-                    </a:lnL>
-                    <a:lnR w="12700" cap="flat" cmpd="sng" algn="ctr">
-                      <a:solidFill>
-                        <a:schemeClr val="tx1"/>
-                      </a:solidFill>
-                      <a:prstDash val="solid"/>
-                      <a:round/>
-                      <a:headEnd type="none" w="med" len="med"/>
-                      <a:tailEnd type="none" w="med" len="med"/>
-                    </a:lnR>
-                    <a:lnT w="12700" cap="flat" cmpd="sng" algn="ctr">
-                      <a:solidFill>
-                        <a:schemeClr val="tx1"/>
-                      </a:solidFill>
-                      <a:prstDash val="solid"/>
-                      <a:round/>
-                      <a:headEnd type="none" w="med" len="med"/>
-                      <a:tailEnd type="none" w="med" len="med"/>
-                    </a:lnT>
-                    <a:lnB w="12700" cap="flat" cmpd="sng" algn="ctr">
-                      <a:solidFill>
-                        <a:schemeClr val="tx1"/>
-                      </a:solidFill>
-                      <a:prstDash val="solid"/>
-                      <a:round/>
-                      <a:headEnd type="none" w="med" len="med"/>
-                      <a:tailEnd type="none" w="med" len="med"/>
-                    </a:lnB>
-                    <a:lnTlToBr w="12700" cmpd="sng">
-                      <a:noFill/>
-                      <a:prstDash val="solid"/>
-                    </a:lnTlToBr>
-                    <a:lnBlToTr w="12700" cmpd="sng">
-                      <a:noFill/>
-                      <a:prstDash val="solid"/>
-                    </a:lnBlToTr>
-                    <a:solidFill>
-                      <a:schemeClr val="accent4">
-                        <a:lumMod val="20000"/>
-                        <a:lumOff val="80000"/>
-                      </a:schemeClr>
-                    </a:solidFill>
-                  </a:tcPr>
-                </a:tc>
-                <a:extLst>
-                  <a:ext uri="{0D108BD9-81ED-4DB2-BD59-A6C34878D82A}">
-                    <a16:rowId xmlns:a16="http://schemas.microsoft.com/office/drawing/2014/main" val="3697275498"/>
-                  </a:ext>
-                </a:extLst>
-              </a:tr>
-              <a:tr h="370840">
-                <a:tc>
-                  <a:txBody>
-                    <a:bodyPr/>
-                    <a:lstStyle/>
-                    <a:p>
-                      <a:pPr marL="0" indent="0" algn="l" defTabSz="914400" rtl="0" eaLnBrk="1" latinLnBrk="0" hangingPunct="1">
-                        <a:lnSpc>
-                          <a:spcPct val="150000"/>
-                        </a:lnSpc>
-                        <a:buNone/>
-                        <a:defRPr/>
-                      </a:pPr>
-                      <a:r>
-                        <a:rPr lang="en-US" sz="1000" b="1" kern="1200" noProof="0" dirty="0">
-                          <a:solidFill>
-                            <a:schemeClr val="dk1"/>
-                          </a:solidFill>
-                          <a:latin typeface="+mn-lt"/>
-                          <a:ea typeface="+mn-ea"/>
-                          <a:cs typeface="+mn-cs"/>
-                        </a:rPr>
-                        <a:t>Vector – </a:t>
-                      </a:r>
-                      <a:r>
-                        <a:rPr lang="en-US" sz="1000" b="1" kern="1200" dirty="0">
-                          <a:solidFill>
-                            <a:schemeClr val="dk1"/>
-                          </a:solidFill>
-                          <a:latin typeface="+mn-lt"/>
-                          <a:ea typeface="+mn-ea"/>
-                          <a:cs typeface="+mn-cs"/>
-                        </a:rPr>
-                        <a:t>m</a:t>
-                      </a:r>
-                      <a:r>
-                        <a:rPr lang="en-US" sz="1000" b="1" kern="1200" noProof="0" dirty="0" err="1">
-                          <a:solidFill>
-                            <a:schemeClr val="dk1"/>
-                          </a:solidFill>
-                          <a:latin typeface="+mn-lt"/>
-                          <a:ea typeface="+mn-ea"/>
-                          <a:cs typeface="+mn-cs"/>
-                        </a:rPr>
-                        <a:t>ax_size</a:t>
-                      </a:r>
-                      <a:endParaRPr lang="en-US" sz="1000" b="1" kern="1200" noProof="0" dirty="0">
-                        <a:solidFill>
-                          <a:schemeClr val="dk1"/>
-                        </a:solidFill>
-                        <a:latin typeface="+mn-lt"/>
-                        <a:ea typeface="+mn-ea"/>
-                        <a:cs typeface="+mn-cs"/>
-                      </a:endParaRPr>
-                    </a:p>
-                    <a:p>
-                      <a:pPr marL="0" indent="0">
-                        <a:buNone/>
-                        <a:defRPr/>
-                      </a:pPr>
-                      <a:r>
-                        <a:rPr kumimoji="0" lang="en-US" sz="1000" b="1" u="none" strike="noStrike" kern="1200" cap="none" spc="0" normalizeH="0" baseline="0" noProof="0" dirty="0">
-                          <a:ln>
-                            <a:noFill/>
-                          </a:ln>
-                          <a:solidFill>
-                            <a:prstClr val="black"/>
-                          </a:solidFill>
-                          <a:effectLst/>
-                          <a:uLnTx/>
-                          <a:uFillTx/>
-                          <a:hlinkClick r:id="rId8"/>
-                        </a:rPr>
-                        <a:t>https://qr.ae/pGclP6</a:t>
-                      </a:r>
-                      <a:endParaRPr kumimoji="0" lang="en-US" sz="1000" b="1" u="none" strike="noStrike" kern="1200" cap="none" spc="0" normalizeH="0" baseline="0" noProof="0" dirty="0">
-                        <a:ln>
-                          <a:noFill/>
-                        </a:ln>
-                        <a:solidFill>
-                          <a:prstClr val="black"/>
-                        </a:solidFill>
-                        <a:effectLst/>
-                        <a:uLnTx/>
-                        <a:uFillTx/>
-                      </a:endParaRPr>
-                    </a:p>
-                    <a:p>
-                      <a:pPr marL="0" indent="0">
-                        <a:buNone/>
-                        <a:defRPr/>
-                      </a:pPr>
-                      <a:r>
-                        <a:rPr lang="en-US" sz="1000" b="1" dirty="0">
-                          <a:solidFill>
-                            <a:prstClr val="black"/>
-                          </a:solidFill>
-                          <a:hlinkClick r:id="rId9"/>
-                        </a:rPr>
-                        <a:t>https://stackoverflow.com/a/3813203/4168707</a:t>
-                      </a:r>
-                      <a:endParaRPr lang="en-US" sz="1000" b="1" dirty="0">
-                        <a:solidFill>
-                          <a:prstClr val="black"/>
-                        </a:solidFill>
-                      </a:endParaRPr>
-                    </a:p>
-                    <a:p>
-                      <a:pPr marL="0" indent="0">
-                        <a:buNone/>
-                        <a:defRPr/>
-                      </a:pPr>
-                      <a:r>
-                        <a:rPr lang="en-US" sz="1000" b="1" dirty="0">
-                          <a:solidFill>
-                            <a:prstClr val="black"/>
-                          </a:solidFill>
-                          <a:hlinkClick r:id="rId10"/>
-                        </a:rPr>
-                        <a:t>https://stackoverflow.com/a/2664094/4168707</a:t>
-                      </a:r>
-                      <a:endParaRPr lang="en-US" sz="1000" b="1" dirty="0">
-                        <a:solidFill>
-                          <a:prstClr val="black"/>
-                        </a:solidFill>
-                        <a:latin typeface="+mn-lt"/>
-                      </a:endParaRPr>
-                    </a:p>
-                  </a:txBody>
-                  <a:tcPr>
-                    <a:lnL w="12700" cap="flat" cmpd="sng" algn="ctr">
-                      <a:solidFill>
-                        <a:schemeClr val="tx1"/>
-                      </a:solidFill>
-                      <a:prstDash val="solid"/>
-                      <a:round/>
-                      <a:headEnd type="none" w="med" len="med"/>
-                      <a:tailEnd type="none" w="med" len="med"/>
-                    </a:lnL>
-                    <a:lnR w="12700" cap="flat" cmpd="sng" algn="ctr">
-                      <a:solidFill>
-                        <a:schemeClr val="tx1"/>
-                      </a:solidFill>
-                      <a:prstDash val="solid"/>
-                      <a:round/>
-                      <a:headEnd type="none" w="med" len="med"/>
-                      <a:tailEnd type="none" w="med" len="med"/>
-                    </a:lnR>
-                    <a:lnT w="12700" cap="flat" cmpd="sng" algn="ctr">
-                      <a:solidFill>
-                        <a:schemeClr val="tx1"/>
-                      </a:solidFill>
-                      <a:prstDash val="solid"/>
-                      <a:round/>
-                      <a:headEnd type="none" w="med" len="med"/>
-                      <a:tailEnd type="none" w="med" len="med"/>
-                    </a:lnT>
-                    <a:lnB w="12700" cap="flat" cmpd="sng" algn="ctr">
-                      <a:solidFill>
-                        <a:schemeClr val="tx1"/>
-                      </a:solidFill>
-                      <a:prstDash val="solid"/>
-                      <a:round/>
-                      <a:headEnd type="none" w="med" len="med"/>
-                      <a:tailEnd type="none" w="med" len="med"/>
-                    </a:lnB>
-                    <a:lnTlToBr w="12700" cmpd="sng">
-                      <a:noFill/>
-                      <a:prstDash val="solid"/>
-                    </a:lnTlToBr>
-                    <a:lnBlToTr w="12700" cmpd="sng">
-                      <a:noFill/>
-                      <a:prstDash val="solid"/>
-                    </a:lnBlToTr>
-                    <a:solidFill>
-                      <a:schemeClr val="accent4">
-                        <a:lumMod val="40000"/>
-                        <a:lumOff val="60000"/>
-                      </a:schemeClr>
-                    </a:solidFill>
-                  </a:tcPr>
-                </a:tc>
-                <a:tc>
-                  <a:txBody>
-                    <a:bodyPr/>
-                    <a:lstStyle/>
-                    <a:p>
-                      <a:pPr marL="0" indent="0" algn="l" defTabSz="914400" rtl="0" eaLnBrk="1" latinLnBrk="0" hangingPunct="1">
-                        <a:lnSpc>
-                          <a:spcPct val="150000"/>
-                        </a:lnSpc>
-                        <a:buNone/>
-                        <a:defRPr/>
-                      </a:pPr>
-                      <a:r>
-                        <a:rPr lang="en-US" sz="1000" b="1" u="none" kern="1200" dirty="0">
-                          <a:solidFill>
-                            <a:schemeClr val="dk1"/>
-                          </a:solidFill>
-                          <a:latin typeface="+mn-lt"/>
-                          <a:ea typeface="+mn-ea"/>
-                          <a:cs typeface="+mn-cs"/>
-                        </a:rPr>
-                        <a:t>Vector - Reserve</a:t>
-                      </a:r>
-                      <a:endParaRPr lang="en-US" sz="1000" b="1" u="none" kern="1200" dirty="0">
-                        <a:solidFill>
-                          <a:schemeClr val="dk1"/>
-                        </a:solidFill>
-                        <a:latin typeface="+mn-lt"/>
-                        <a:ea typeface="+mn-ea"/>
-                        <a:cs typeface="+mn-cs"/>
-                        <a:hlinkClick r:id="rId6">
-                          <a:extLst>
-                            <a:ext uri="{A12FA001-AC4F-418D-AE19-62706E023703}">
-                              <ahyp:hlinkClr xmlns:ahyp="http://schemas.microsoft.com/office/drawing/2018/hyperlinkcolor" val="tx"/>
-                            </a:ext>
-                          </a:extLst>
-                        </a:hlinkClick>
-                      </a:endParaRPr>
-                    </a:p>
-                    <a:p>
-                      <a:r>
-                        <a:rPr lang="en-US" sz="1000" b="1" dirty="0">
-                          <a:hlinkClick r:id="rId6"/>
-                        </a:rPr>
-                        <a:t>https://en.cppreference.com/w/cpp/container/vector/reserve</a:t>
-                      </a:r>
-                      <a:endParaRPr lang="en-US" sz="1000" b="1" dirty="0"/>
-                    </a:p>
-                    <a:p>
-                      <a:endParaRPr lang="en-US" sz="1000" b="1" dirty="0"/>
-                    </a:p>
-                  </a:txBody>
-                  <a:tcPr>
-                    <a:lnL w="12700" cap="flat" cmpd="sng" algn="ctr">
-                      <a:solidFill>
-                        <a:schemeClr val="tx1"/>
-                      </a:solidFill>
-                      <a:prstDash val="solid"/>
-                      <a:round/>
-                      <a:headEnd type="none" w="med" len="med"/>
-                      <a:tailEnd type="none" w="med" len="med"/>
-                    </a:lnL>
-                    <a:lnR w="12700" cap="flat" cmpd="sng" algn="ctr">
-                      <a:solidFill>
-                        <a:schemeClr val="tx1"/>
-                      </a:solidFill>
-                      <a:prstDash val="solid"/>
-                      <a:round/>
-                      <a:headEnd type="none" w="med" len="med"/>
-                      <a:tailEnd type="none" w="med" len="med"/>
-                    </a:lnR>
-                    <a:lnT w="12700" cap="flat" cmpd="sng" algn="ctr">
-                      <a:solidFill>
-                        <a:schemeClr val="tx1"/>
-                      </a:solidFill>
-                      <a:prstDash val="solid"/>
-                      <a:round/>
-                      <a:headEnd type="none" w="med" len="med"/>
-                      <a:tailEnd type="none" w="med" len="med"/>
-                    </a:lnT>
-                    <a:lnB w="12700" cap="flat" cmpd="sng" algn="ctr">
-                      <a:solidFill>
-                        <a:schemeClr val="tx1"/>
-                      </a:solidFill>
-                      <a:prstDash val="solid"/>
-                      <a:round/>
-                      <a:headEnd type="none" w="med" len="med"/>
-                      <a:tailEnd type="none" w="med" len="med"/>
-                    </a:lnB>
-                    <a:lnTlToBr w="12700" cmpd="sng">
-                      <a:noFill/>
-                      <a:prstDash val="solid"/>
-                    </a:lnTlToBr>
-                    <a:lnBlToTr w="12700" cmpd="sng">
-                      <a:noFill/>
-                      <a:prstDash val="solid"/>
-                    </a:lnBlToTr>
-                    <a:solidFill>
-                      <a:schemeClr val="accent4">
-                        <a:lumMod val="40000"/>
-                        <a:lumOff val="60000"/>
-                      </a:schemeClr>
-                    </a:solidFill>
-                  </a:tcPr>
-                </a:tc>
-                <a:extLst>
-                  <a:ext uri="{0D108BD9-81ED-4DB2-BD59-A6C34878D82A}">
-                    <a16:rowId xmlns:a16="http://schemas.microsoft.com/office/drawing/2014/main" val="2334344078"/>
-                  </a:ext>
-                </a:extLst>
-              </a:tr>
-              <a:tr h="370840">
-                <a:tc>
-                  <a:txBody>
-                    <a:bodyPr/>
-                    <a:lstStyle/>
-                    <a:p>
-                      <a:pPr marL="0" indent="0" algn="l" defTabSz="914400" rtl="0" eaLnBrk="1" latinLnBrk="0" hangingPunct="1">
-                        <a:lnSpc>
-                          <a:spcPct val="150000"/>
-                        </a:lnSpc>
-                        <a:buNone/>
-                        <a:defRPr/>
-                      </a:pPr>
-                      <a:r>
-                        <a:rPr lang="en-US" sz="1000" b="1" kern="1200" noProof="0" dirty="0">
-                          <a:solidFill>
-                            <a:schemeClr val="dk1"/>
-                          </a:solidFill>
-                          <a:latin typeface="+mn-lt"/>
-                          <a:ea typeface="+mn-ea"/>
-                          <a:cs typeface="+mn-cs"/>
-                        </a:rPr>
-                        <a:t>Vector – </a:t>
-                      </a:r>
-                      <a:r>
-                        <a:rPr lang="en-US" sz="1000" b="1" kern="1200" dirty="0" err="1">
-                          <a:solidFill>
-                            <a:schemeClr val="dk1"/>
-                          </a:solidFill>
-                          <a:latin typeface="+mn-lt"/>
-                          <a:ea typeface="+mn-ea"/>
-                          <a:cs typeface="+mn-cs"/>
-                        </a:rPr>
-                        <a:t>shrink_to</a:t>
-                      </a:r>
-                      <a:r>
-                        <a:rPr lang="en-US" sz="1000" b="1" kern="1200" noProof="0" dirty="0">
-                          <a:solidFill>
-                            <a:schemeClr val="dk1"/>
-                          </a:solidFill>
-                          <a:latin typeface="+mn-lt"/>
-                          <a:ea typeface="+mn-ea"/>
-                          <a:cs typeface="+mn-cs"/>
-                        </a:rPr>
-                        <a:t>_fit</a:t>
-                      </a:r>
-                      <a:endParaRPr lang="en-US" sz="1000" b="1" kern="1200" dirty="0">
-                        <a:solidFill>
-                          <a:schemeClr val="dk1"/>
-                        </a:solidFill>
-                        <a:latin typeface="+mn-lt"/>
-                        <a:ea typeface="+mn-ea"/>
-                        <a:cs typeface="+mn-cs"/>
-                      </a:endParaRPr>
-                    </a:p>
-                    <a:p>
-                      <a:pPr marL="0" indent="0">
-                        <a:buNone/>
-                        <a:defRPr/>
-                      </a:pPr>
-                      <a:r>
-                        <a:rPr lang="en-US" sz="1000" b="1" dirty="0">
-                          <a:solidFill>
-                            <a:prstClr val="black"/>
-                          </a:solidFill>
-                          <a:hlinkClick r:id="rId11"/>
-                        </a:rPr>
-                        <a:t>https://en.cppreference.com/w/cpp/container/vector/shrink_to_fit</a:t>
-                      </a:r>
-                      <a:endParaRPr lang="en-US" sz="1000" b="1" dirty="0">
-                        <a:solidFill>
-                          <a:prstClr val="black"/>
-                        </a:solidFill>
-                      </a:endParaRPr>
-                    </a:p>
-                    <a:p>
-                      <a:pPr marL="0" indent="0">
-                        <a:buNone/>
-                        <a:defRPr/>
-                      </a:pPr>
-                      <a:r>
-                        <a:rPr lang="en-US" sz="1000" b="1" dirty="0">
-                          <a:solidFill>
-                            <a:prstClr val="black"/>
-                          </a:solidFill>
-                          <a:hlinkClick r:id="rId12"/>
-                        </a:rPr>
-                        <a:t>https://stackoverflow.com/q/16518533/4168707</a:t>
-                      </a:r>
-                      <a:endParaRPr lang="en-US" sz="1000" b="1" dirty="0">
-                        <a:solidFill>
-                          <a:prstClr val="black"/>
-                        </a:solidFill>
-                        <a:latin typeface="+mn-lt"/>
-                      </a:endParaRPr>
-                    </a:p>
-                  </a:txBody>
-                  <a:tcPr>
-                    <a:lnL w="12700" cap="flat" cmpd="sng" algn="ctr">
-                      <a:solidFill>
-                        <a:schemeClr val="tx1"/>
-                      </a:solidFill>
-                      <a:prstDash val="solid"/>
-                      <a:round/>
-                      <a:headEnd type="none" w="med" len="med"/>
-                      <a:tailEnd type="none" w="med" len="med"/>
-                    </a:lnL>
-                    <a:lnR w="12700" cap="flat" cmpd="sng" algn="ctr">
-                      <a:solidFill>
-                        <a:schemeClr val="tx1"/>
-                      </a:solidFill>
-                      <a:prstDash val="solid"/>
-                      <a:round/>
-                      <a:headEnd type="none" w="med" len="med"/>
-                      <a:tailEnd type="none" w="med" len="med"/>
-                    </a:lnR>
-                    <a:lnT w="12700" cap="flat" cmpd="sng" algn="ctr">
-                      <a:solidFill>
-                        <a:schemeClr val="tx1"/>
-                      </a:solidFill>
-                      <a:prstDash val="solid"/>
-                      <a:round/>
-                      <a:headEnd type="none" w="med" len="med"/>
-                      <a:tailEnd type="none" w="med" len="med"/>
-                    </a:lnT>
-                    <a:lnB w="12700" cap="flat" cmpd="sng" algn="ctr">
-                      <a:solidFill>
-                        <a:schemeClr val="tx1"/>
-                      </a:solidFill>
-                      <a:prstDash val="solid"/>
-                      <a:round/>
-                      <a:headEnd type="none" w="med" len="med"/>
-                      <a:tailEnd type="none" w="med" len="med"/>
-                    </a:lnB>
-                    <a:lnTlToBr w="12700" cmpd="sng">
-                      <a:noFill/>
-                      <a:prstDash val="solid"/>
-                    </a:lnTlToBr>
-                    <a:lnBlToTr w="12700" cmpd="sng">
-                      <a:noFill/>
-                      <a:prstDash val="solid"/>
-                    </a:lnBlToTr>
-                    <a:solidFill>
-                      <a:schemeClr val="accent4">
-                        <a:lumMod val="20000"/>
-                        <a:lumOff val="80000"/>
-                      </a:schemeClr>
-                    </a:solidFill>
-                  </a:tcPr>
-                </a:tc>
-                <a:tc>
-                  <a:txBody>
-                    <a:bodyPr/>
-                    <a:lstStyle/>
-                    <a:p>
-                      <a:pPr marL="0" indent="0" algn="l" defTabSz="914400" rtl="0" eaLnBrk="1" latinLnBrk="0" hangingPunct="1">
-                        <a:lnSpc>
-                          <a:spcPct val="150000"/>
-                        </a:lnSpc>
-                        <a:buNone/>
-                        <a:defRPr/>
-                      </a:pPr>
-                      <a:r>
-                        <a:rPr lang="en-US" sz="1000" b="1" u="none" kern="1200" dirty="0">
-                          <a:solidFill>
-                            <a:schemeClr val="dk1"/>
-                          </a:solidFill>
-                          <a:latin typeface="+mn-lt"/>
-                          <a:ea typeface="+mn-ea"/>
-                          <a:cs typeface="+mn-cs"/>
-                        </a:rPr>
-                        <a:t>Vector – Assign</a:t>
-                      </a:r>
-                    </a:p>
-                    <a:p>
-                      <a:r>
-                        <a:rPr lang="en-US" sz="1000" b="1" dirty="0">
-                          <a:hlinkClick r:id="rId13"/>
-                        </a:rPr>
-                        <a:t>https://www.geeksforgeeks.org/vector-assign-in-c-stl/</a:t>
-                      </a:r>
-                      <a:endParaRPr lang="en-US" sz="1000" b="1" dirty="0"/>
-                    </a:p>
-                    <a:p>
-                      <a:r>
-                        <a:rPr lang="en-US" sz="1000" b="1" dirty="0">
-                          <a:hlinkClick r:id="rId14"/>
-                        </a:rPr>
-                        <a:t>https://en.cppreference.com/w/cpp/container/vector/assign</a:t>
-                      </a:r>
-                      <a:endParaRPr lang="en-US" sz="1000" b="1" dirty="0"/>
-                    </a:p>
-                    <a:p>
-                      <a:endParaRPr lang="en-US" sz="1000" b="1" dirty="0"/>
-                    </a:p>
-                    <a:p>
-                      <a:endParaRPr lang="en-US" sz="1000" b="1" dirty="0"/>
-                    </a:p>
-                  </a:txBody>
-                  <a:tcPr>
-                    <a:lnL w="12700" cap="flat" cmpd="sng" algn="ctr">
-                      <a:solidFill>
-                        <a:schemeClr val="tx1"/>
-                      </a:solidFill>
-                      <a:prstDash val="solid"/>
-                      <a:round/>
-                      <a:headEnd type="none" w="med" len="med"/>
-                      <a:tailEnd type="none" w="med" len="med"/>
-                    </a:lnL>
-                    <a:lnR w="12700" cap="flat" cmpd="sng" algn="ctr">
-                      <a:solidFill>
-                        <a:schemeClr val="tx1"/>
-                      </a:solidFill>
-                      <a:prstDash val="solid"/>
-                      <a:round/>
-                      <a:headEnd type="none" w="med" len="med"/>
-                      <a:tailEnd type="none" w="med" len="med"/>
-                    </a:lnR>
-                    <a:lnT w="12700" cap="flat" cmpd="sng" algn="ctr">
-                      <a:solidFill>
-                        <a:schemeClr val="tx1"/>
-                      </a:solidFill>
-                      <a:prstDash val="solid"/>
-                      <a:round/>
-                      <a:headEnd type="none" w="med" len="med"/>
-                      <a:tailEnd type="none" w="med" len="med"/>
-                    </a:lnT>
-                    <a:lnB w="12700" cap="flat" cmpd="sng" algn="ctr">
-                      <a:solidFill>
-                        <a:schemeClr val="tx1"/>
-                      </a:solidFill>
-                      <a:prstDash val="solid"/>
-                      <a:round/>
-                      <a:headEnd type="none" w="med" len="med"/>
-                      <a:tailEnd type="none" w="med" len="med"/>
-                    </a:lnB>
-                    <a:lnTlToBr w="12700" cmpd="sng">
-                      <a:noFill/>
-                      <a:prstDash val="solid"/>
-                    </a:lnTlToBr>
-                    <a:lnBlToTr w="12700" cmpd="sng">
-                      <a:noFill/>
-                      <a:prstDash val="solid"/>
-                    </a:lnBlToTr>
-                    <a:solidFill>
-                      <a:schemeClr val="accent4">
-                        <a:lumMod val="20000"/>
-                        <a:lumOff val="80000"/>
-                      </a:schemeClr>
-                    </a:solidFill>
-                  </a:tcPr>
-                </a:tc>
-                <a:extLst>
-                  <a:ext uri="{0D108BD9-81ED-4DB2-BD59-A6C34878D82A}">
-                    <a16:rowId xmlns:a16="http://schemas.microsoft.com/office/drawing/2014/main" val="3116449768"/>
-                  </a:ext>
-                </a:extLst>
-              </a:tr>
-              <a:tr h="370840">
-                <a:tc>
-                  <a:txBody>
-                    <a:bodyPr/>
-                    <a:lstStyle/>
-                    <a:p>
-                      <a:pPr marL="0" indent="0">
-                        <a:buNone/>
-                        <a:defRPr/>
-                      </a:pPr>
-                      <a:r>
-                        <a:rPr lang="en-US" sz="1000" b="1" dirty="0">
-                          <a:solidFill>
-                            <a:prstClr val="black"/>
-                          </a:solidFill>
-                          <a:latin typeface="+mn-lt"/>
-                        </a:rPr>
-                        <a:t>String</a:t>
-                      </a:r>
-                    </a:p>
-                    <a:p>
-                      <a:pPr marL="0" indent="0">
-                        <a:buNone/>
-                        <a:defRPr/>
-                      </a:pPr>
-                      <a:r>
-                        <a:rPr lang="en-US" sz="1000" b="1" dirty="0">
-                          <a:solidFill>
-                            <a:prstClr val="black"/>
-                          </a:solidFill>
-                          <a:latin typeface="+mn-lt"/>
-                          <a:hlinkClick r:id="rId15"/>
-                        </a:rPr>
-                        <a:t>https://www.geeksforgeeks.org/stdstring-class-in-c/</a:t>
-                      </a:r>
-                      <a:endParaRPr lang="en-US" sz="1000" b="1" dirty="0">
-                        <a:solidFill>
-                          <a:prstClr val="black"/>
-                        </a:solidFill>
-                        <a:latin typeface="+mn-lt"/>
-                      </a:endParaRPr>
-                    </a:p>
-                    <a:p>
-                      <a:pPr marL="0" indent="0">
-                        <a:buNone/>
-                        <a:defRPr/>
-                      </a:pPr>
-                      <a:endParaRPr lang="en-US" sz="1000" b="1" dirty="0">
-                        <a:solidFill>
-                          <a:prstClr val="black"/>
-                        </a:solidFill>
-                        <a:latin typeface="+mn-lt"/>
-                      </a:endParaRPr>
-                    </a:p>
-                  </a:txBody>
-                  <a:tcPr>
-                    <a:lnL w="12700" cap="flat" cmpd="sng" algn="ctr">
-                      <a:solidFill>
-                        <a:schemeClr val="tx1"/>
-                      </a:solidFill>
-                      <a:prstDash val="solid"/>
-                      <a:round/>
-                      <a:headEnd type="none" w="med" len="med"/>
-                      <a:tailEnd type="none" w="med" len="med"/>
-                    </a:lnL>
-                    <a:lnR w="12700" cap="flat" cmpd="sng" algn="ctr">
-                      <a:solidFill>
-                        <a:schemeClr val="tx1"/>
-                      </a:solidFill>
-                      <a:prstDash val="solid"/>
-                      <a:round/>
-                      <a:headEnd type="none" w="med" len="med"/>
-                      <a:tailEnd type="none" w="med" len="med"/>
-                    </a:lnR>
-                    <a:lnT w="12700" cap="flat" cmpd="sng" algn="ctr">
-                      <a:solidFill>
-                        <a:schemeClr val="tx1"/>
-                      </a:solidFill>
-                      <a:prstDash val="solid"/>
-                      <a:round/>
-                      <a:headEnd type="none" w="med" len="med"/>
-                      <a:tailEnd type="none" w="med" len="med"/>
-                    </a:lnT>
-                    <a:lnB w="12700" cap="flat" cmpd="sng" algn="ctr">
-                      <a:solidFill>
-                        <a:schemeClr val="tx1"/>
-                      </a:solidFill>
-                      <a:prstDash val="solid"/>
-                      <a:round/>
-                      <a:headEnd type="none" w="med" len="med"/>
-                      <a:tailEnd type="none" w="med" len="med"/>
-                    </a:lnB>
-                    <a:lnTlToBr w="12700" cmpd="sng">
-                      <a:noFill/>
-                      <a:prstDash val="solid"/>
-                    </a:lnTlToBr>
-                    <a:lnBlToTr w="12700" cmpd="sng">
-                      <a:noFill/>
-                      <a:prstDash val="solid"/>
-                    </a:lnBlToTr>
-                    <a:solidFill>
-                      <a:schemeClr val="accent4">
-                        <a:lumMod val="40000"/>
-                        <a:lumOff val="60000"/>
-                      </a:schemeClr>
-                    </a:solidFill>
-                  </a:tcPr>
-                </a:tc>
-                <a:tc>
-                  <a:txBody>
-                    <a:bodyPr/>
-                    <a:lstStyle/>
-                    <a:p>
-                      <a:r>
-                        <a:rPr lang="en-US" sz="1000" b="1" dirty="0"/>
-                        <a:t>String – Single Quote vs Double Quotes</a:t>
-                      </a:r>
-                    </a:p>
-                    <a:p>
-                      <a:r>
-                        <a:rPr lang="en-US" sz="1000" b="1" dirty="0">
-                          <a:hlinkClick r:id="rId16"/>
-                        </a:rPr>
-                        <a:t>https://stackoverflow.com/a/3683613/4168707</a:t>
-                      </a:r>
-                      <a:endParaRPr lang="en-US" sz="1000" b="1" dirty="0"/>
-                    </a:p>
-                    <a:p>
-                      <a:endParaRPr lang="en-US" sz="1000" b="1" dirty="0"/>
-                    </a:p>
-                  </a:txBody>
-                  <a:tcPr>
-                    <a:lnL w="12700" cap="flat" cmpd="sng" algn="ctr">
-                      <a:solidFill>
-                        <a:schemeClr val="tx1"/>
-                      </a:solidFill>
-                      <a:prstDash val="solid"/>
-                      <a:round/>
-                      <a:headEnd type="none" w="med" len="med"/>
-                      <a:tailEnd type="none" w="med" len="med"/>
-                    </a:lnL>
-                    <a:lnR w="12700" cap="flat" cmpd="sng" algn="ctr">
-                      <a:solidFill>
-                        <a:schemeClr val="tx1"/>
-                      </a:solidFill>
-                      <a:prstDash val="solid"/>
-                      <a:round/>
-                      <a:headEnd type="none" w="med" len="med"/>
-                      <a:tailEnd type="none" w="med" len="med"/>
-                    </a:lnR>
-                    <a:lnT w="12700" cap="flat" cmpd="sng" algn="ctr">
-                      <a:solidFill>
-                        <a:schemeClr val="tx1"/>
-                      </a:solidFill>
-                      <a:prstDash val="solid"/>
-                      <a:round/>
-                      <a:headEnd type="none" w="med" len="med"/>
-                      <a:tailEnd type="none" w="med" len="med"/>
-                    </a:lnT>
-                    <a:lnB w="12700" cap="flat" cmpd="sng" algn="ctr">
-                      <a:solidFill>
-                        <a:schemeClr val="tx1"/>
-                      </a:solidFill>
-                      <a:prstDash val="solid"/>
-                      <a:round/>
-                      <a:headEnd type="none" w="med" len="med"/>
-                      <a:tailEnd type="none" w="med" len="med"/>
-                    </a:lnB>
-                    <a:lnTlToBr w="12700" cmpd="sng">
-                      <a:noFill/>
-                      <a:prstDash val="solid"/>
-                    </a:lnTlToBr>
-                    <a:lnBlToTr w="12700" cmpd="sng">
-                      <a:noFill/>
-                      <a:prstDash val="solid"/>
-                    </a:lnBlToTr>
-                    <a:solidFill>
-                      <a:schemeClr val="accent4">
-                        <a:lumMod val="40000"/>
-                        <a:lumOff val="60000"/>
-                      </a:schemeClr>
-                    </a:solidFill>
-                  </a:tcPr>
-                </a:tc>
-                <a:extLst>
-                  <a:ext uri="{0D108BD9-81ED-4DB2-BD59-A6C34878D82A}">
-                    <a16:rowId xmlns:a16="http://schemas.microsoft.com/office/drawing/2014/main" val="927941286"/>
-                  </a:ext>
-                </a:extLst>
-              </a:tr>
-              <a:tr h="370840">
-                <a:tc>
-                  <a:txBody>
-                    <a:bodyPr/>
-                    <a:lstStyle/>
-                    <a:p>
-                      <a:pPr marL="0" indent="0">
-                        <a:buNone/>
-                        <a:defRPr/>
-                      </a:pPr>
-                      <a:endParaRPr lang="en-US" sz="1000" b="1" dirty="0">
-                        <a:solidFill>
-                          <a:prstClr val="black"/>
-                        </a:solidFill>
-                        <a:latin typeface="+mn-lt"/>
-                      </a:endParaRPr>
-                    </a:p>
-                  </a:txBody>
-                  <a:tcPr>
-                    <a:lnL w="12700" cap="flat" cmpd="sng" algn="ctr">
-                      <a:solidFill>
-                        <a:schemeClr val="tx1"/>
-                      </a:solidFill>
-                      <a:prstDash val="solid"/>
-                      <a:round/>
-                      <a:headEnd type="none" w="med" len="med"/>
-                      <a:tailEnd type="none" w="med" len="med"/>
-                    </a:lnL>
-                    <a:lnR w="12700" cap="flat" cmpd="sng" algn="ctr">
-                      <a:solidFill>
-                        <a:schemeClr val="tx1"/>
-                      </a:solidFill>
-                      <a:prstDash val="solid"/>
-                      <a:round/>
-                      <a:headEnd type="none" w="med" len="med"/>
-                      <a:tailEnd type="none" w="med" len="med"/>
-                    </a:lnR>
-                    <a:lnT w="12700" cap="flat" cmpd="sng" algn="ctr">
-                      <a:solidFill>
-                        <a:schemeClr val="tx1"/>
-                      </a:solidFill>
-                      <a:prstDash val="solid"/>
-                      <a:round/>
-                      <a:headEnd type="none" w="med" len="med"/>
-                      <a:tailEnd type="none" w="med" len="med"/>
-                    </a:lnT>
-                    <a:lnB w="12700" cap="flat" cmpd="sng" algn="ctr">
-                      <a:solidFill>
-                        <a:schemeClr val="tx1"/>
-                      </a:solidFill>
-                      <a:prstDash val="solid"/>
-                      <a:round/>
-                      <a:headEnd type="none" w="med" len="med"/>
-                      <a:tailEnd type="none" w="med" len="med"/>
-                    </a:lnB>
-                    <a:lnTlToBr w="12700" cmpd="sng">
-                      <a:noFill/>
-                      <a:prstDash val="solid"/>
-                    </a:lnTlToBr>
-                    <a:lnBlToTr w="12700" cmpd="sng">
-                      <a:noFill/>
-                      <a:prstDash val="solid"/>
-                    </a:lnBlToTr>
-                    <a:solidFill>
-                      <a:schemeClr val="accent4">
-                        <a:lumMod val="20000"/>
-                        <a:lumOff val="80000"/>
-                      </a:schemeClr>
-                    </a:solidFill>
-                  </a:tcPr>
-                </a:tc>
-                <a:tc>
-                  <a:txBody>
-                    <a:bodyPr/>
-                    <a:lstStyle/>
-                    <a:p>
-                      <a:endParaRPr lang="en-US" sz="1000" b="1" dirty="0"/>
-                    </a:p>
-                  </a:txBody>
-                  <a:tcPr>
-                    <a:lnL w="12700" cap="flat" cmpd="sng" algn="ctr">
-                      <a:solidFill>
-                        <a:schemeClr val="tx1"/>
-                      </a:solidFill>
-                      <a:prstDash val="solid"/>
-                      <a:round/>
-                      <a:headEnd type="none" w="med" len="med"/>
-                      <a:tailEnd type="none" w="med" len="med"/>
-                    </a:lnL>
-                    <a:lnR w="12700" cap="flat" cmpd="sng" algn="ctr">
-                      <a:solidFill>
-                        <a:schemeClr val="tx1"/>
-                      </a:solidFill>
-                      <a:prstDash val="solid"/>
-                      <a:round/>
-                      <a:headEnd type="none" w="med" len="med"/>
-                      <a:tailEnd type="none" w="med" len="med"/>
-                    </a:lnR>
-                    <a:lnT w="12700" cap="flat" cmpd="sng" algn="ctr">
-                      <a:solidFill>
-                        <a:schemeClr val="tx1"/>
-                      </a:solidFill>
-                      <a:prstDash val="solid"/>
-                      <a:round/>
-                      <a:headEnd type="none" w="med" len="med"/>
-                      <a:tailEnd type="none" w="med" len="med"/>
-                    </a:lnT>
-                    <a:lnB w="12700" cap="flat" cmpd="sng" algn="ctr">
-                      <a:solidFill>
-                        <a:schemeClr val="tx1"/>
-                      </a:solidFill>
-                      <a:prstDash val="solid"/>
-                      <a:round/>
-                      <a:headEnd type="none" w="med" len="med"/>
-                      <a:tailEnd type="none" w="med" len="med"/>
-                    </a:lnB>
-                    <a:lnTlToBr w="12700" cmpd="sng">
-                      <a:noFill/>
-                      <a:prstDash val="solid"/>
-                    </a:lnTlToBr>
-                    <a:lnBlToTr w="12700" cmpd="sng">
-                      <a:noFill/>
-                      <a:prstDash val="solid"/>
-                    </a:lnBlToTr>
-                    <a:solidFill>
-                      <a:schemeClr val="accent4">
-                        <a:lumMod val="20000"/>
-                        <a:lumOff val="80000"/>
-                      </a:schemeClr>
-                    </a:solidFill>
-                  </a:tcPr>
-                </a:tc>
-                <a:extLst>
-                  <a:ext uri="{0D108BD9-81ED-4DB2-BD59-A6C34878D82A}">
-                    <a16:rowId xmlns:a16="http://schemas.microsoft.com/office/drawing/2014/main" val="3762110643"/>
-                  </a:ext>
-                </a:extLst>
-              </a:tr>
-            </a:tbl>
-          </a:graphicData>
-        </a:graphic>
-      </p:graphicFrame>
-    </p:spTree>
-    <p:extLst>
-      <p:ext uri="{BB962C8B-B14F-4D97-AF65-F5344CB8AC3E}">
-        <p14:creationId xmlns:p14="http://schemas.microsoft.com/office/powerpoint/2010/main" val="1241341839"/>
       </p:ext>
     </p:extLst>
   </p:cSld>

--- a/STL/STL_Presentation.pptx
+++ b/STL/STL_Presentation.pptx
@@ -7,12 +7,18 @@
   <p:sldIdLst>
     <p:sldId id="256" r:id="rId2"/>
     <p:sldId id="258" r:id="rId3"/>
-    <p:sldId id="257" r:id="rId4"/>
-    <p:sldId id="260" r:id="rId5"/>
-    <p:sldId id="263" r:id="rId6"/>
-    <p:sldId id="264" r:id="rId7"/>
-    <p:sldId id="265" r:id="rId8"/>
-    <p:sldId id="266" r:id="rId9"/>
+    <p:sldId id="268" r:id="rId4"/>
+    <p:sldId id="269" r:id="rId5"/>
+    <p:sldId id="270" r:id="rId6"/>
+    <p:sldId id="271" r:id="rId7"/>
+    <p:sldId id="272" r:id="rId8"/>
+    <p:sldId id="267" r:id="rId9"/>
+    <p:sldId id="257" r:id="rId10"/>
+    <p:sldId id="260" r:id="rId11"/>
+    <p:sldId id="263" r:id="rId12"/>
+    <p:sldId id="264" r:id="rId13"/>
+    <p:sldId id="265" r:id="rId14"/>
+    <p:sldId id="266" r:id="rId15"/>
   </p:sldIdLst>
   <p:sldSz cx="12192000" cy="6858000"/>
   <p:notesSz cx="6858000" cy="9144000"/>
@@ -266,7 +272,7 @@
           <a:p>
             <a:fld id="{E2B668D4-B287-43EC-B7EB-12E01689B4F9}" type="datetimeFigureOut">
               <a:rPr lang="en-US" smtClean="0"/>
-              <a:t>21-10-22</a:t>
+              <a:t>27-10-22</a:t>
             </a:fld>
             <a:endParaRPr lang="en-US"/>
           </a:p>
@@ -464,7 +470,7 @@
           <a:p>
             <a:fld id="{E2B668D4-B287-43EC-B7EB-12E01689B4F9}" type="datetimeFigureOut">
               <a:rPr lang="en-US" smtClean="0"/>
-              <a:t>21-10-22</a:t>
+              <a:t>27-10-22</a:t>
             </a:fld>
             <a:endParaRPr lang="en-US"/>
           </a:p>
@@ -672,7 +678,7 @@
           <a:p>
             <a:fld id="{E2B668D4-B287-43EC-B7EB-12E01689B4F9}" type="datetimeFigureOut">
               <a:rPr lang="en-US" smtClean="0"/>
-              <a:t>21-10-22</a:t>
+              <a:t>27-10-22</a:t>
             </a:fld>
             <a:endParaRPr lang="en-US"/>
           </a:p>
@@ -870,7 +876,7 @@
           <a:p>
             <a:fld id="{E2B668D4-B287-43EC-B7EB-12E01689B4F9}" type="datetimeFigureOut">
               <a:rPr lang="en-US" smtClean="0"/>
-              <a:t>21-10-22</a:t>
+              <a:t>27-10-22</a:t>
             </a:fld>
             <a:endParaRPr lang="en-US"/>
           </a:p>
@@ -1145,7 +1151,7 @@
           <a:p>
             <a:fld id="{E2B668D4-B287-43EC-B7EB-12E01689B4F9}" type="datetimeFigureOut">
               <a:rPr lang="en-US" smtClean="0"/>
-              <a:t>21-10-22</a:t>
+              <a:t>27-10-22</a:t>
             </a:fld>
             <a:endParaRPr lang="en-US"/>
           </a:p>
@@ -1410,7 +1416,7 @@
           <a:p>
             <a:fld id="{E2B668D4-B287-43EC-B7EB-12E01689B4F9}" type="datetimeFigureOut">
               <a:rPr lang="en-US" smtClean="0"/>
-              <a:t>21-10-22</a:t>
+              <a:t>27-10-22</a:t>
             </a:fld>
             <a:endParaRPr lang="en-US"/>
           </a:p>
@@ -1822,7 +1828,7 @@
           <a:p>
             <a:fld id="{E2B668D4-B287-43EC-B7EB-12E01689B4F9}" type="datetimeFigureOut">
               <a:rPr lang="en-US" smtClean="0"/>
-              <a:t>21-10-22</a:t>
+              <a:t>27-10-22</a:t>
             </a:fld>
             <a:endParaRPr lang="en-US"/>
           </a:p>
@@ -1963,7 +1969,7 @@
           <a:p>
             <a:fld id="{E2B668D4-B287-43EC-B7EB-12E01689B4F9}" type="datetimeFigureOut">
               <a:rPr lang="en-US" smtClean="0"/>
-              <a:t>21-10-22</a:t>
+              <a:t>27-10-22</a:t>
             </a:fld>
             <a:endParaRPr lang="en-US"/>
           </a:p>
@@ -2076,7 +2082,7 @@
           <a:p>
             <a:fld id="{E2B668D4-B287-43EC-B7EB-12E01689B4F9}" type="datetimeFigureOut">
               <a:rPr lang="en-US" smtClean="0"/>
-              <a:t>21-10-22</a:t>
+              <a:t>27-10-22</a:t>
             </a:fld>
             <a:endParaRPr lang="en-US"/>
           </a:p>
@@ -2387,7 +2393,7 @@
           <a:p>
             <a:fld id="{E2B668D4-B287-43EC-B7EB-12E01689B4F9}" type="datetimeFigureOut">
               <a:rPr lang="en-US" smtClean="0"/>
-              <a:t>21-10-22</a:t>
+              <a:t>27-10-22</a:t>
             </a:fld>
             <a:endParaRPr lang="en-US"/>
           </a:p>
@@ -2675,7 +2681,7 @@
           <a:p>
             <a:fld id="{E2B668D4-B287-43EC-B7EB-12E01689B4F9}" type="datetimeFigureOut">
               <a:rPr lang="en-US" smtClean="0"/>
-              <a:t>21-10-22</a:t>
+              <a:t>27-10-22</a:t>
             </a:fld>
             <a:endParaRPr lang="en-US"/>
           </a:p>
@@ -2916,7 +2922,7 @@
           <a:p>
             <a:fld id="{E2B668D4-B287-43EC-B7EB-12E01689B4F9}" type="datetimeFigureOut">
               <a:rPr lang="en-US" smtClean="0"/>
-              <a:t>21-10-22</a:t>
+              <a:t>27-10-22</a:t>
             </a:fld>
             <a:endParaRPr lang="en-US"/>
           </a:p>
@@ -3374,464 +3380,7 @@
 </p:sld>
 </file>
 
-<file path=ppt/slides/slide2.xml><?xml version="1.0" encoding="utf-8"?>
-<p:sld xmlns:a="http://schemas.openxmlformats.org/drawingml/2006/main" xmlns:r="http://schemas.openxmlformats.org/officeDocument/2006/relationships" xmlns:p="http://schemas.openxmlformats.org/presentationml/2006/main">
-  <p:cSld>
-    <p:spTree>
-      <p:nvGrpSpPr>
-        <p:cNvPr id="1" name=""/>
-        <p:cNvGrpSpPr/>
-        <p:nvPr/>
-      </p:nvGrpSpPr>
-      <p:grpSpPr>
-        <a:xfrm>
-          <a:off x="0" y="0"/>
-          <a:ext cx="0" cy="0"/>
-          <a:chOff x="0" y="0"/>
-          <a:chExt cx="0" cy="0"/>
-        </a:xfrm>
-      </p:grpSpPr>
-      <p:sp>
-        <p:nvSpPr>
-          <p:cNvPr id="2" name="Title 1">
-            <a:extLst>
-              <a:ext uri="{FF2B5EF4-FFF2-40B4-BE49-F238E27FC236}">
-                <a16:creationId xmlns:a16="http://schemas.microsoft.com/office/drawing/2014/main" id="{E6252DB6-C6A3-5DE2-006C-BC79CAD92FB4}"/>
-              </a:ext>
-            </a:extLst>
-          </p:cNvPr>
-          <p:cNvSpPr>
-            <a:spLocks noGrp="1"/>
-          </p:cNvSpPr>
-          <p:nvPr>
-            <p:ph type="title"/>
-          </p:nvPr>
-        </p:nvSpPr>
-        <p:spPr/>
-        <p:txBody>
-          <a:bodyPr/>
-          <a:lstStyle/>
-          <a:p>
-            <a:r>
-              <a:rPr lang="en-US" dirty="0"/>
-              <a:t>Presentation 21/10/2022</a:t>
-            </a:r>
-          </a:p>
-        </p:txBody>
-      </p:sp>
-      <p:sp>
-        <p:nvSpPr>
-          <p:cNvPr id="3" name="Content Placeholder 2">
-            <a:extLst>
-              <a:ext uri="{FF2B5EF4-FFF2-40B4-BE49-F238E27FC236}">
-                <a16:creationId xmlns:a16="http://schemas.microsoft.com/office/drawing/2014/main" id="{06F0B733-C506-4CC6-3659-A8D879B243DE}"/>
-              </a:ext>
-            </a:extLst>
-          </p:cNvPr>
-          <p:cNvSpPr>
-            <a:spLocks noGrp="1"/>
-          </p:cNvSpPr>
-          <p:nvPr>
-            <p:ph idx="1"/>
-          </p:nvPr>
-        </p:nvSpPr>
-        <p:spPr>
-          <a:xfrm>
-            <a:off x="838200" y="1825625"/>
-            <a:ext cx="3201955" cy="4351338"/>
-          </a:xfrm>
-        </p:spPr>
-        <p:txBody>
-          <a:bodyPr/>
-          <a:lstStyle/>
-          <a:p>
-            <a:r>
-              <a:rPr lang="en-US" dirty="0"/>
-              <a:t>vector</a:t>
-            </a:r>
-          </a:p>
-          <a:p>
-            <a:r>
-              <a:rPr lang="en-US" dirty="0"/>
-              <a:t>string</a:t>
-            </a:r>
-          </a:p>
-          <a:p>
-            <a:r>
-              <a:rPr lang="en-US" dirty="0" err="1"/>
-              <a:t>unordered_map</a:t>
-            </a:r>
-            <a:endParaRPr lang="en-US" dirty="0"/>
-          </a:p>
-          <a:p>
-            <a:r>
-              <a:rPr lang="en-US" dirty="0"/>
-              <a:t>optional</a:t>
-            </a:r>
-          </a:p>
-          <a:p>
-            <a:endParaRPr lang="en-US" dirty="0"/>
-          </a:p>
-          <a:p>
-            <a:endParaRPr lang="en-US" dirty="0"/>
-          </a:p>
-          <a:p>
-            <a:endParaRPr lang="en-US" dirty="0"/>
-          </a:p>
-          <a:p>
-            <a:endParaRPr lang="en-US" dirty="0"/>
-          </a:p>
-          <a:p>
-            <a:endParaRPr lang="en-US" dirty="0"/>
-          </a:p>
-          <a:p>
-            <a:endParaRPr lang="en-US" dirty="0"/>
-          </a:p>
-          <a:p>
-            <a:endParaRPr lang="en-US" dirty="0"/>
-          </a:p>
-        </p:txBody>
-      </p:sp>
-      <p:sp>
-        <p:nvSpPr>
-          <p:cNvPr id="4" name="TextBox 3">
-            <a:extLst>
-              <a:ext uri="{FF2B5EF4-FFF2-40B4-BE49-F238E27FC236}">
-                <a16:creationId xmlns:a16="http://schemas.microsoft.com/office/drawing/2014/main" id="{E467C893-9420-BEA5-3E87-0A64EBA96C94}"/>
-              </a:ext>
-            </a:extLst>
-          </p:cNvPr>
-          <p:cNvSpPr txBox="1"/>
-          <p:nvPr/>
-        </p:nvSpPr>
-        <p:spPr>
-          <a:xfrm>
-            <a:off x="6096000" y="4385387"/>
-            <a:ext cx="5257800" cy="1200329"/>
-          </a:xfrm>
-          <a:prstGeom prst="rect">
-            <a:avLst/>
-          </a:prstGeom>
-          <a:noFill/>
-        </p:spPr>
-        <p:txBody>
-          <a:bodyPr wrap="square" rtlCol="0">
-            <a:spAutoFit/>
-          </a:bodyPr>
-          <a:lstStyle/>
-          <a:p>
-            <a:r>
-              <a:rPr lang="en-US" dirty="0"/>
-              <a:t>- General Description</a:t>
-            </a:r>
-          </a:p>
-          <a:p>
-            <a:r>
-              <a:rPr lang="en-US" dirty="0"/>
-              <a:t>- Interesting member functions and related topics</a:t>
-            </a:r>
-          </a:p>
-          <a:p>
-            <a:r>
-              <a:rPr lang="en-US" dirty="0"/>
-              <a:t>- Time Complexity</a:t>
-            </a:r>
-          </a:p>
-          <a:p>
-            <a:r>
-              <a:rPr lang="en-US" dirty="0"/>
-              <a:t>- Comparison with Python</a:t>
-            </a:r>
-            <a:endParaRPr lang="en-GB" dirty="0"/>
-          </a:p>
-        </p:txBody>
-      </p:sp>
-    </p:spTree>
-    <p:extLst>
-      <p:ext uri="{BB962C8B-B14F-4D97-AF65-F5344CB8AC3E}">
-        <p14:creationId xmlns:p14="http://schemas.microsoft.com/office/powerpoint/2010/main" val="857829866"/>
-      </p:ext>
-    </p:extLst>
-  </p:cSld>
-  <p:clrMapOvr>
-    <a:masterClrMapping/>
-  </p:clrMapOvr>
-</p:sld>
-</file>
-
-<file path=ppt/slides/slide3.xml><?xml version="1.0" encoding="utf-8"?>
-<p:sld xmlns:a="http://schemas.openxmlformats.org/drawingml/2006/main" xmlns:r="http://schemas.openxmlformats.org/officeDocument/2006/relationships" xmlns:p="http://schemas.openxmlformats.org/presentationml/2006/main">
-  <p:cSld>
-    <p:spTree>
-      <p:nvGrpSpPr>
-        <p:cNvPr id="1" name=""/>
-        <p:cNvGrpSpPr/>
-        <p:nvPr/>
-      </p:nvGrpSpPr>
-      <p:grpSpPr>
-        <a:xfrm>
-          <a:off x="0" y="0"/>
-          <a:ext cx="0" cy="0"/>
-          <a:chOff x="0" y="0"/>
-          <a:chExt cx="0" cy="0"/>
-        </a:xfrm>
-      </p:grpSpPr>
-      <p:sp>
-        <p:nvSpPr>
-          <p:cNvPr id="2" name="Title 1">
-            <a:extLst>
-              <a:ext uri="{FF2B5EF4-FFF2-40B4-BE49-F238E27FC236}">
-                <a16:creationId xmlns:a16="http://schemas.microsoft.com/office/drawing/2014/main" id="{74880610-6B8F-0049-0453-7CCE52B44BF3}"/>
-              </a:ext>
-            </a:extLst>
-          </p:cNvPr>
-          <p:cNvSpPr>
-            <a:spLocks noGrp="1"/>
-          </p:cNvSpPr>
-          <p:nvPr>
-            <p:ph type="title"/>
-          </p:nvPr>
-        </p:nvSpPr>
-        <p:spPr>
-          <a:xfrm>
-            <a:off x="838200" y="325368"/>
-            <a:ext cx="10515600" cy="1325563"/>
-          </a:xfrm>
-        </p:spPr>
-        <p:txBody>
-          <a:bodyPr/>
-          <a:lstStyle/>
-          <a:p>
-            <a:r>
-              <a:rPr lang="en-US" dirty="0"/>
-              <a:t>vector</a:t>
-            </a:r>
-          </a:p>
-        </p:txBody>
-      </p:sp>
-      <p:sp>
-        <p:nvSpPr>
-          <p:cNvPr id="3" name="Content Placeholder 2">
-            <a:extLst>
-              <a:ext uri="{FF2B5EF4-FFF2-40B4-BE49-F238E27FC236}">
-                <a16:creationId xmlns:a16="http://schemas.microsoft.com/office/drawing/2014/main" id="{6AABCCB0-7017-DF98-D434-B31366113BC7}"/>
-              </a:ext>
-            </a:extLst>
-          </p:cNvPr>
-          <p:cNvSpPr>
-            <a:spLocks noGrp="1"/>
-          </p:cNvSpPr>
-          <p:nvPr>
-            <p:ph idx="1"/>
-          </p:nvPr>
-        </p:nvSpPr>
-        <p:spPr>
-          <a:xfrm>
-            <a:off x="720754" y="1439731"/>
-            <a:ext cx="10515600" cy="4351338"/>
-          </a:xfrm>
-        </p:spPr>
-        <p:txBody>
-          <a:bodyPr>
-            <a:normAutofit/>
-          </a:bodyPr>
-          <a:lstStyle/>
-          <a:p>
-            <a:r>
-              <a:rPr lang="en-US" dirty="0"/>
-              <a:t>Dynamic arrays with the ability to resize itself.</a:t>
-            </a:r>
-          </a:p>
-          <a:p>
-            <a:r>
-              <a:rPr lang="en-US" dirty="0"/>
-              <a:t>Element access: Iterators and offset</a:t>
-            </a:r>
-          </a:p>
-          <a:p>
-            <a:r>
-              <a:rPr lang="en-US" dirty="0"/>
-              <a:t>Iterators, Capacity, Element Access, Modifiers</a:t>
-            </a:r>
-          </a:p>
-          <a:p>
-            <a:r>
-              <a:rPr lang="en-US" dirty="0"/>
-              <a:t>Interesting concepts:</a:t>
-            </a:r>
-          </a:p>
-          <a:p>
-            <a:pPr lvl="1"/>
-            <a:r>
-              <a:rPr lang="en-US" dirty="0"/>
-              <a:t>Iterator Invalidation</a:t>
-            </a:r>
-          </a:p>
-          <a:p>
-            <a:pPr lvl="2"/>
-            <a:r>
-              <a:rPr lang="en-US" dirty="0"/>
-              <a:t>Certain operations can invalidate current iterators</a:t>
-            </a:r>
-          </a:p>
-          <a:p>
-            <a:pPr marL="914400" lvl="2" indent="0">
-              <a:buNone/>
-            </a:pPr>
-            <a:r>
-              <a:rPr lang="en-US" dirty="0"/>
-              <a:t>    (E.g.: Resizing.)</a:t>
-            </a:r>
-          </a:p>
-        </p:txBody>
-      </p:sp>
-      <p:grpSp>
-        <p:nvGrpSpPr>
-          <p:cNvPr id="9" name="Group 8">
-            <a:extLst>
-              <a:ext uri="{FF2B5EF4-FFF2-40B4-BE49-F238E27FC236}">
-                <a16:creationId xmlns:a16="http://schemas.microsoft.com/office/drawing/2014/main" id="{87374666-695D-11C8-145F-B2BE80FE58F5}"/>
-              </a:ext>
-            </a:extLst>
-          </p:cNvPr>
-          <p:cNvGrpSpPr/>
-          <p:nvPr/>
-        </p:nvGrpSpPr>
-        <p:grpSpPr>
-          <a:xfrm>
-            <a:off x="7199304" y="3229761"/>
-            <a:ext cx="4572000" cy="2365696"/>
-            <a:chOff x="7164198" y="2315361"/>
-            <a:chExt cx="4572000" cy="2365696"/>
-          </a:xfrm>
-        </p:grpSpPr>
-        <p:pic>
-          <p:nvPicPr>
-            <p:cNvPr id="5" name="Picture 4">
-              <a:extLst>
-                <a:ext uri="{FF2B5EF4-FFF2-40B4-BE49-F238E27FC236}">
-                  <a16:creationId xmlns:a16="http://schemas.microsoft.com/office/drawing/2014/main" id="{F4B72D4C-300B-3229-6B18-71859F86E080}"/>
-                </a:ext>
-              </a:extLst>
-            </p:cNvPr>
-            <p:cNvPicPr>
-              <a:picLocks noChangeAspect="1"/>
-            </p:cNvPicPr>
-            <p:nvPr/>
-          </p:nvPicPr>
-          <p:blipFill>
-            <a:blip r:embed="rId2"/>
-            <a:stretch>
-              <a:fillRect/>
-            </a:stretch>
-          </p:blipFill>
-          <p:spPr>
-            <a:xfrm>
-              <a:off x="7256478" y="2432976"/>
-              <a:ext cx="4398539" cy="1739347"/>
-            </a:xfrm>
-            <a:prstGeom prst="rect">
-              <a:avLst/>
-            </a:prstGeom>
-          </p:spPr>
-        </p:pic>
-        <p:pic>
-          <p:nvPicPr>
-            <p:cNvPr id="7" name="Picture 6">
-              <a:extLst>
-                <a:ext uri="{FF2B5EF4-FFF2-40B4-BE49-F238E27FC236}">
-                  <a16:creationId xmlns:a16="http://schemas.microsoft.com/office/drawing/2014/main" id="{4FDD5A97-AB47-C00E-8B69-5DD8D4436A2C}"/>
-                </a:ext>
-              </a:extLst>
-            </p:cNvPr>
-            <p:cNvPicPr>
-              <a:picLocks noChangeAspect="1"/>
-            </p:cNvPicPr>
-            <p:nvPr/>
-          </p:nvPicPr>
-          <p:blipFill>
-            <a:blip r:embed="rId3"/>
-            <a:stretch>
-              <a:fillRect/>
-            </a:stretch>
-          </p:blipFill>
-          <p:spPr>
-            <a:xfrm>
-              <a:off x="7256478" y="4363676"/>
-              <a:ext cx="523948" cy="190527"/>
-            </a:xfrm>
-            <a:prstGeom prst="rect">
-              <a:avLst/>
-            </a:prstGeom>
-          </p:spPr>
-        </p:pic>
-        <p:sp>
-          <p:nvSpPr>
-            <p:cNvPr id="8" name="Rectangle 7">
-              <a:extLst>
-                <a:ext uri="{FF2B5EF4-FFF2-40B4-BE49-F238E27FC236}">
-                  <a16:creationId xmlns:a16="http://schemas.microsoft.com/office/drawing/2014/main" id="{F73EBA63-6015-0FCE-4CDF-9CEC89B0262B}"/>
-                </a:ext>
-              </a:extLst>
-            </p:cNvPr>
-            <p:cNvSpPr/>
-            <p:nvPr/>
-          </p:nvSpPr>
-          <p:spPr>
-            <a:xfrm>
-              <a:off x="7164198" y="2315361"/>
-              <a:ext cx="4572000" cy="2365696"/>
-            </a:xfrm>
-            <a:prstGeom prst="rect">
-              <a:avLst/>
-            </a:prstGeom>
-            <a:noFill/>
-            <a:ln>
-              <a:solidFill>
-                <a:schemeClr val="tx1"/>
-              </a:solidFill>
-            </a:ln>
-          </p:spPr>
-          <p:style>
-            <a:lnRef idx="2">
-              <a:schemeClr val="accent1">
-                <a:shade val="50000"/>
-              </a:schemeClr>
-            </a:lnRef>
-            <a:fillRef idx="1">
-              <a:schemeClr val="accent1"/>
-            </a:fillRef>
-            <a:effectRef idx="0">
-              <a:schemeClr val="accent1"/>
-            </a:effectRef>
-            <a:fontRef idx="minor">
-              <a:schemeClr val="lt1"/>
-            </a:fontRef>
-          </p:style>
-          <p:txBody>
-            <a:bodyPr rtlCol="0" anchor="ctr"/>
-            <a:lstStyle/>
-            <a:p>
-              <a:pPr algn="ctr"/>
-              <a:endParaRPr lang="en-US"/>
-            </a:p>
-          </p:txBody>
-        </p:sp>
-      </p:grpSp>
-    </p:spTree>
-    <p:extLst>
-      <p:ext uri="{BB962C8B-B14F-4D97-AF65-F5344CB8AC3E}">
-        <p14:creationId xmlns:p14="http://schemas.microsoft.com/office/powerpoint/2010/main" val="2520422284"/>
-      </p:ext>
-    </p:extLst>
-  </p:cSld>
-  <p:clrMapOvr>
-    <a:masterClrMapping/>
-  </p:clrMapOvr>
-</p:sld>
-</file>
-
-<file path=ppt/slides/slide4.xml><?xml version="1.0" encoding="utf-8"?>
+<file path=ppt/slides/slide10.xml><?xml version="1.0" encoding="utf-8"?>
 <p:sld xmlns:a="http://schemas.openxmlformats.org/drawingml/2006/main" xmlns:r="http://schemas.openxmlformats.org/officeDocument/2006/relationships" xmlns:p="http://schemas.openxmlformats.org/presentationml/2006/main">
   <p:cSld>
     <p:spTree>
@@ -4235,8 +3784,8 @@
 </p:sld>
 </file>
 
-<file path=ppt/slides/slide5.xml><?xml version="1.0" encoding="utf-8"?>
-<p:sld xmlns:a="http://schemas.openxmlformats.org/drawingml/2006/main" xmlns:r="http://schemas.openxmlformats.org/officeDocument/2006/relationships" xmlns:p="http://schemas.openxmlformats.org/presentationml/2006/main">
+<file path=ppt/slides/slide11.xml><?xml version="1.0" encoding="utf-8"?>
+<p:sld xmlns:a="http://schemas.openxmlformats.org/drawingml/2006/main" xmlns:r="http://schemas.openxmlformats.org/officeDocument/2006/relationships" xmlns:p="http://schemas.openxmlformats.org/presentationml/2006/main" show="0">
   <p:cSld>
     <p:spTree>
       <p:nvGrpSpPr>
@@ -4416,8 +3965,8 @@
 </p:sld>
 </file>
 
-<file path=ppt/slides/slide6.xml><?xml version="1.0" encoding="utf-8"?>
-<p:sld xmlns:a="http://schemas.openxmlformats.org/drawingml/2006/main" xmlns:r="http://schemas.openxmlformats.org/officeDocument/2006/relationships" xmlns:p="http://schemas.openxmlformats.org/presentationml/2006/main">
+<file path=ppt/slides/slide12.xml><?xml version="1.0" encoding="utf-8"?>
+<p:sld xmlns:a="http://schemas.openxmlformats.org/drawingml/2006/main" xmlns:r="http://schemas.openxmlformats.org/officeDocument/2006/relationships" xmlns:p="http://schemas.openxmlformats.org/presentationml/2006/main" show="0">
   <p:cSld>
     <p:spTree>
       <p:nvGrpSpPr>
@@ -4611,6 +4160,1154 @@
 </p:sld>
 </file>
 
+<file path=ppt/slides/slide13.xml><?xml version="1.0" encoding="utf-8"?>
+<p:sld xmlns:a="http://schemas.openxmlformats.org/drawingml/2006/main" xmlns:r="http://schemas.openxmlformats.org/officeDocument/2006/relationships" xmlns:p="http://schemas.openxmlformats.org/presentationml/2006/main" show="0">
+  <p:cSld>
+    <p:spTree>
+      <p:nvGrpSpPr>
+        <p:cNvPr id="1" name=""/>
+        <p:cNvGrpSpPr/>
+        <p:nvPr/>
+      </p:nvGrpSpPr>
+      <p:grpSpPr>
+        <a:xfrm>
+          <a:off x="0" y="0"/>
+          <a:ext cx="0" cy="0"/>
+          <a:chOff x="0" y="0"/>
+          <a:chExt cx="0" cy="0"/>
+        </a:xfrm>
+      </p:grpSpPr>
+      <p:sp>
+        <p:nvSpPr>
+          <p:cNvPr id="2" name="Title 1">
+            <a:extLst>
+              <a:ext uri="{FF2B5EF4-FFF2-40B4-BE49-F238E27FC236}">
+                <a16:creationId xmlns:a16="http://schemas.microsoft.com/office/drawing/2014/main" id="{74880610-6B8F-0049-0453-7CCE52B44BF3}"/>
+              </a:ext>
+            </a:extLst>
+          </p:cNvPr>
+          <p:cNvSpPr>
+            <a:spLocks noGrp="1"/>
+          </p:cNvSpPr>
+          <p:nvPr>
+            <p:ph type="title"/>
+          </p:nvPr>
+        </p:nvSpPr>
+        <p:spPr/>
+        <p:txBody>
+          <a:bodyPr/>
+          <a:lstStyle/>
+          <a:p>
+            <a:r>
+              <a:rPr lang="en-US" dirty="0" err="1"/>
+              <a:t>unordered_map</a:t>
+            </a:r>
+            <a:endParaRPr lang="en-US" dirty="0"/>
+          </a:p>
+        </p:txBody>
+      </p:sp>
+      <p:sp>
+        <p:nvSpPr>
+          <p:cNvPr id="3" name="Content Placeholder 2">
+            <a:extLst>
+              <a:ext uri="{FF2B5EF4-FFF2-40B4-BE49-F238E27FC236}">
+                <a16:creationId xmlns:a16="http://schemas.microsoft.com/office/drawing/2014/main" id="{6AABCCB0-7017-DF98-D434-B31366113BC7}"/>
+              </a:ext>
+            </a:extLst>
+          </p:cNvPr>
+          <p:cNvSpPr>
+            <a:spLocks noGrp="1"/>
+          </p:cNvSpPr>
+          <p:nvPr>
+            <p:ph idx="1"/>
+          </p:nvPr>
+        </p:nvSpPr>
+        <p:spPr>
+          <a:xfrm>
+            <a:off x="720754" y="1439731"/>
+            <a:ext cx="10515600" cy="4351338"/>
+          </a:xfrm>
+        </p:spPr>
+        <p:txBody>
+          <a:bodyPr>
+            <a:normAutofit/>
+          </a:bodyPr>
+          <a:lstStyle/>
+          <a:p>
+            <a:r>
+              <a:rPr lang="en-GB" dirty="0"/>
+              <a:t>Elements stored  as a dictionary without any order.</a:t>
+            </a:r>
+          </a:p>
+          <a:p>
+            <a:r>
+              <a:rPr lang="en-US" dirty="0"/>
+              <a:t>Search/ Insert/ Delete: Θ(1) time.</a:t>
+            </a:r>
+          </a:p>
+          <a:p>
+            <a:endParaRPr lang="en-GB" dirty="0"/>
+          </a:p>
+          <a:p>
+            <a:r>
+              <a:rPr lang="en-GB" dirty="0" err="1"/>
+              <a:t>unordered_map</a:t>
+            </a:r>
+            <a:r>
+              <a:rPr lang="en-GB" dirty="0"/>
+              <a:t> vs map:</a:t>
+            </a:r>
+          </a:p>
+          <a:p>
+            <a:pPr lvl="1"/>
+            <a:r>
+              <a:rPr lang="en-GB" dirty="0"/>
+              <a:t>Order of keys</a:t>
+            </a:r>
+          </a:p>
+          <a:p>
+            <a:pPr lvl="1"/>
+            <a:r>
+              <a:rPr lang="en-GB" dirty="0"/>
+              <a:t>Hash table vs BST </a:t>
+            </a:r>
+          </a:p>
+          <a:p>
+            <a:pPr lvl="1"/>
+            <a:endParaRPr lang="en-GB" dirty="0"/>
+          </a:p>
+          <a:p>
+            <a:pPr lvl="1"/>
+            <a:endParaRPr lang="en-GB" dirty="0"/>
+          </a:p>
+        </p:txBody>
+      </p:sp>
+    </p:spTree>
+    <p:extLst>
+      <p:ext uri="{BB962C8B-B14F-4D97-AF65-F5344CB8AC3E}">
+        <p14:creationId xmlns:p14="http://schemas.microsoft.com/office/powerpoint/2010/main" val="902908605"/>
+      </p:ext>
+    </p:extLst>
+  </p:cSld>
+  <p:clrMapOvr>
+    <a:masterClrMapping/>
+  </p:clrMapOvr>
+</p:sld>
+</file>
+
+<file path=ppt/slides/slide14.xml><?xml version="1.0" encoding="utf-8"?>
+<p:sld xmlns:a="http://schemas.openxmlformats.org/drawingml/2006/main" xmlns:r="http://schemas.openxmlformats.org/officeDocument/2006/relationships" xmlns:p="http://schemas.openxmlformats.org/presentationml/2006/main" show="0">
+  <p:cSld>
+    <p:spTree>
+      <p:nvGrpSpPr>
+        <p:cNvPr id="1" name=""/>
+        <p:cNvGrpSpPr/>
+        <p:nvPr/>
+      </p:nvGrpSpPr>
+      <p:grpSpPr>
+        <a:xfrm>
+          <a:off x="0" y="0"/>
+          <a:ext cx="0" cy="0"/>
+          <a:chOff x="0" y="0"/>
+          <a:chExt cx="0" cy="0"/>
+        </a:xfrm>
+      </p:grpSpPr>
+      <p:sp>
+        <p:nvSpPr>
+          <p:cNvPr id="2" name="Title 1">
+            <a:extLst>
+              <a:ext uri="{FF2B5EF4-FFF2-40B4-BE49-F238E27FC236}">
+                <a16:creationId xmlns:a16="http://schemas.microsoft.com/office/drawing/2014/main" id="{74880610-6B8F-0049-0453-7CCE52B44BF3}"/>
+              </a:ext>
+            </a:extLst>
+          </p:cNvPr>
+          <p:cNvSpPr>
+            <a:spLocks noGrp="1"/>
+          </p:cNvSpPr>
+          <p:nvPr>
+            <p:ph type="title"/>
+          </p:nvPr>
+        </p:nvSpPr>
+        <p:spPr/>
+        <p:txBody>
+          <a:bodyPr/>
+          <a:lstStyle/>
+          <a:p>
+            <a:r>
+              <a:rPr lang="en-US" dirty="0"/>
+              <a:t>optional</a:t>
+            </a:r>
+          </a:p>
+        </p:txBody>
+      </p:sp>
+      <p:sp>
+        <p:nvSpPr>
+          <p:cNvPr id="3" name="Content Placeholder 2">
+            <a:extLst>
+              <a:ext uri="{FF2B5EF4-FFF2-40B4-BE49-F238E27FC236}">
+                <a16:creationId xmlns:a16="http://schemas.microsoft.com/office/drawing/2014/main" id="{6AABCCB0-7017-DF98-D434-B31366113BC7}"/>
+              </a:ext>
+            </a:extLst>
+          </p:cNvPr>
+          <p:cNvSpPr>
+            <a:spLocks noGrp="1"/>
+          </p:cNvSpPr>
+          <p:nvPr>
+            <p:ph idx="1"/>
+          </p:nvPr>
+        </p:nvSpPr>
+        <p:spPr>
+          <a:xfrm>
+            <a:off x="720754" y="1439731"/>
+            <a:ext cx="10515600" cy="4351338"/>
+          </a:xfrm>
+        </p:spPr>
+        <p:txBody>
+          <a:bodyPr>
+            <a:normAutofit/>
+          </a:bodyPr>
+          <a:lstStyle/>
+          <a:p>
+            <a:r>
+              <a:rPr lang="en-US" dirty="0"/>
+              <a:t>??</a:t>
+            </a:r>
+          </a:p>
+          <a:p>
+            <a:r>
+              <a:rPr lang="en-US" dirty="0"/>
+              <a:t>Class Template</a:t>
+            </a:r>
+          </a:p>
+          <a:p>
+            <a:r>
+              <a:rPr lang="en-US" dirty="0"/>
+              <a:t>Manages a value that may or may not be present.</a:t>
+            </a:r>
+          </a:p>
+          <a:p>
+            <a:endParaRPr lang="en-GB" dirty="0"/>
+          </a:p>
+        </p:txBody>
+      </p:sp>
+      <p:pic>
+        <p:nvPicPr>
+          <p:cNvPr id="5" name="Picture 4">
+            <a:extLst>
+              <a:ext uri="{FF2B5EF4-FFF2-40B4-BE49-F238E27FC236}">
+                <a16:creationId xmlns:a16="http://schemas.microsoft.com/office/drawing/2014/main" id="{15F35BBA-749B-99D0-DD21-D939C9EA9F8A}"/>
+              </a:ext>
+            </a:extLst>
+          </p:cNvPr>
+          <p:cNvPicPr>
+            <a:picLocks noChangeAspect="1"/>
+          </p:cNvPicPr>
+          <p:nvPr/>
+        </p:nvPicPr>
+        <p:blipFill>
+          <a:blip r:embed="rId2"/>
+          <a:stretch>
+            <a:fillRect/>
+          </a:stretch>
+        </p:blipFill>
+        <p:spPr>
+          <a:xfrm>
+            <a:off x="3983551" y="3840346"/>
+            <a:ext cx="7487695" cy="1324160"/>
+          </a:xfrm>
+          <a:prstGeom prst="rect">
+            <a:avLst/>
+          </a:prstGeom>
+        </p:spPr>
+      </p:pic>
+    </p:spTree>
+    <p:extLst>
+      <p:ext uri="{BB962C8B-B14F-4D97-AF65-F5344CB8AC3E}">
+        <p14:creationId xmlns:p14="http://schemas.microsoft.com/office/powerpoint/2010/main" val="3384942037"/>
+      </p:ext>
+    </p:extLst>
+  </p:cSld>
+  <p:clrMapOvr>
+    <a:masterClrMapping/>
+  </p:clrMapOvr>
+</p:sld>
+</file>
+
+<file path=ppt/slides/slide2.xml><?xml version="1.0" encoding="utf-8"?>
+<p:sld xmlns:a="http://schemas.openxmlformats.org/drawingml/2006/main" xmlns:r="http://schemas.openxmlformats.org/officeDocument/2006/relationships" xmlns:p="http://schemas.openxmlformats.org/presentationml/2006/main">
+  <p:cSld>
+    <p:spTree>
+      <p:nvGrpSpPr>
+        <p:cNvPr id="1" name=""/>
+        <p:cNvGrpSpPr/>
+        <p:nvPr/>
+      </p:nvGrpSpPr>
+      <p:grpSpPr>
+        <a:xfrm>
+          <a:off x="0" y="0"/>
+          <a:ext cx="0" cy="0"/>
+          <a:chOff x="0" y="0"/>
+          <a:chExt cx="0" cy="0"/>
+        </a:xfrm>
+      </p:grpSpPr>
+      <p:sp>
+        <p:nvSpPr>
+          <p:cNvPr id="2" name="Title 1">
+            <a:extLst>
+              <a:ext uri="{FF2B5EF4-FFF2-40B4-BE49-F238E27FC236}">
+                <a16:creationId xmlns:a16="http://schemas.microsoft.com/office/drawing/2014/main" id="{E6252DB6-C6A3-5DE2-006C-BC79CAD92FB4}"/>
+              </a:ext>
+            </a:extLst>
+          </p:cNvPr>
+          <p:cNvSpPr>
+            <a:spLocks noGrp="1"/>
+          </p:cNvSpPr>
+          <p:nvPr>
+            <p:ph type="title"/>
+          </p:nvPr>
+        </p:nvSpPr>
+        <p:spPr/>
+        <p:txBody>
+          <a:bodyPr/>
+          <a:lstStyle/>
+          <a:p>
+            <a:r>
+              <a:rPr lang="en-US" dirty="0"/>
+              <a:t>Presentation 27/10/2022</a:t>
+            </a:r>
+          </a:p>
+        </p:txBody>
+      </p:sp>
+      <p:sp>
+        <p:nvSpPr>
+          <p:cNvPr id="3" name="Content Placeholder 2">
+            <a:extLst>
+              <a:ext uri="{FF2B5EF4-FFF2-40B4-BE49-F238E27FC236}">
+                <a16:creationId xmlns:a16="http://schemas.microsoft.com/office/drawing/2014/main" id="{06F0B733-C506-4CC6-3659-A8D879B243DE}"/>
+              </a:ext>
+            </a:extLst>
+          </p:cNvPr>
+          <p:cNvSpPr>
+            <a:spLocks noGrp="1"/>
+          </p:cNvSpPr>
+          <p:nvPr>
+            <p:ph idx="1"/>
+          </p:nvPr>
+        </p:nvSpPr>
+        <p:spPr>
+          <a:xfrm>
+            <a:off x="838200" y="1825625"/>
+            <a:ext cx="3201955" cy="4351338"/>
+          </a:xfrm>
+        </p:spPr>
+        <p:txBody>
+          <a:bodyPr/>
+          <a:lstStyle/>
+          <a:p>
+            <a:r>
+              <a:rPr lang="en-US" strike="sngStrike" dirty="0"/>
+              <a:t>vector</a:t>
+            </a:r>
+          </a:p>
+          <a:p>
+            <a:r>
+              <a:rPr lang="en-US" dirty="0"/>
+              <a:t>string</a:t>
+            </a:r>
+          </a:p>
+          <a:p>
+            <a:r>
+              <a:rPr lang="en-US" dirty="0" err="1"/>
+              <a:t>unordered_map</a:t>
+            </a:r>
+            <a:endParaRPr lang="en-US" dirty="0"/>
+          </a:p>
+          <a:p>
+            <a:r>
+              <a:rPr lang="en-US" dirty="0"/>
+              <a:t>optional</a:t>
+            </a:r>
+          </a:p>
+          <a:p>
+            <a:endParaRPr lang="en-US" dirty="0"/>
+          </a:p>
+          <a:p>
+            <a:endParaRPr lang="en-US" dirty="0"/>
+          </a:p>
+          <a:p>
+            <a:endParaRPr lang="en-US" dirty="0"/>
+          </a:p>
+          <a:p>
+            <a:endParaRPr lang="en-US" dirty="0"/>
+          </a:p>
+          <a:p>
+            <a:endParaRPr lang="en-US" dirty="0"/>
+          </a:p>
+          <a:p>
+            <a:endParaRPr lang="en-US" dirty="0"/>
+          </a:p>
+          <a:p>
+            <a:endParaRPr lang="en-US" dirty="0"/>
+          </a:p>
+        </p:txBody>
+      </p:sp>
+      <p:sp>
+        <p:nvSpPr>
+          <p:cNvPr id="5" name="TextBox 4">
+            <a:extLst>
+              <a:ext uri="{FF2B5EF4-FFF2-40B4-BE49-F238E27FC236}">
+                <a16:creationId xmlns:a16="http://schemas.microsoft.com/office/drawing/2014/main" id="{4AB5ACB5-B312-B43B-28CE-704EAA8ECCD9}"/>
+              </a:ext>
+            </a:extLst>
+          </p:cNvPr>
+          <p:cNvSpPr txBox="1"/>
+          <p:nvPr/>
+        </p:nvSpPr>
+        <p:spPr>
+          <a:xfrm>
+            <a:off x="6096000" y="4385387"/>
+            <a:ext cx="5257800" cy="646331"/>
+          </a:xfrm>
+          <a:prstGeom prst="rect">
+            <a:avLst/>
+          </a:prstGeom>
+          <a:noFill/>
+        </p:spPr>
+        <p:txBody>
+          <a:bodyPr wrap="square" rtlCol="0">
+            <a:spAutoFit/>
+          </a:bodyPr>
+          <a:lstStyle/>
+          <a:p>
+            <a:pPr marL="285750" indent="-285750">
+              <a:buFontTx/>
+              <a:buChar char="-"/>
+            </a:pPr>
+            <a:r>
+              <a:rPr lang="en-US" dirty="0"/>
+              <a:t>General Description</a:t>
+            </a:r>
+          </a:p>
+          <a:p>
+            <a:pPr marL="285750" indent="-285750">
+              <a:buFontTx/>
+              <a:buChar char="-"/>
+            </a:pPr>
+            <a:r>
+              <a:rPr lang="en-US" dirty="0"/>
+              <a:t>High level discussion</a:t>
+            </a:r>
+          </a:p>
+        </p:txBody>
+      </p:sp>
+    </p:spTree>
+    <p:extLst>
+      <p:ext uri="{BB962C8B-B14F-4D97-AF65-F5344CB8AC3E}">
+        <p14:creationId xmlns:p14="http://schemas.microsoft.com/office/powerpoint/2010/main" val="857829866"/>
+      </p:ext>
+    </p:extLst>
+  </p:cSld>
+  <p:clrMapOvr>
+    <a:masterClrMapping/>
+  </p:clrMapOvr>
+</p:sld>
+</file>
+
+<file path=ppt/slides/slide3.xml><?xml version="1.0" encoding="utf-8"?>
+<p:sld xmlns:a="http://schemas.openxmlformats.org/drawingml/2006/main" xmlns:r="http://schemas.openxmlformats.org/officeDocument/2006/relationships" xmlns:p="http://schemas.openxmlformats.org/presentationml/2006/main">
+  <p:cSld>
+    <p:spTree>
+      <p:nvGrpSpPr>
+        <p:cNvPr id="1" name=""/>
+        <p:cNvGrpSpPr/>
+        <p:nvPr/>
+      </p:nvGrpSpPr>
+      <p:grpSpPr>
+        <a:xfrm>
+          <a:off x="0" y="0"/>
+          <a:ext cx="0" cy="0"/>
+          <a:chOff x="0" y="0"/>
+          <a:chExt cx="0" cy="0"/>
+        </a:xfrm>
+      </p:grpSpPr>
+      <p:sp>
+        <p:nvSpPr>
+          <p:cNvPr id="2" name="Title 1">
+            <a:extLst>
+              <a:ext uri="{FF2B5EF4-FFF2-40B4-BE49-F238E27FC236}">
+                <a16:creationId xmlns:a16="http://schemas.microsoft.com/office/drawing/2014/main" id="{74880610-6B8F-0049-0453-7CCE52B44BF3}"/>
+              </a:ext>
+            </a:extLst>
+          </p:cNvPr>
+          <p:cNvSpPr>
+            <a:spLocks noGrp="1"/>
+          </p:cNvSpPr>
+          <p:nvPr>
+            <p:ph type="title"/>
+          </p:nvPr>
+        </p:nvSpPr>
+        <p:spPr/>
+        <p:txBody>
+          <a:bodyPr/>
+          <a:lstStyle/>
+          <a:p>
+            <a:r>
+              <a:rPr lang="en-US" dirty="0"/>
+              <a:t>string</a:t>
+            </a:r>
+          </a:p>
+        </p:txBody>
+      </p:sp>
+      <p:sp>
+        <p:nvSpPr>
+          <p:cNvPr id="3" name="Content Placeholder 2">
+            <a:extLst>
+              <a:ext uri="{FF2B5EF4-FFF2-40B4-BE49-F238E27FC236}">
+                <a16:creationId xmlns:a16="http://schemas.microsoft.com/office/drawing/2014/main" id="{6AABCCB0-7017-DF98-D434-B31366113BC7}"/>
+              </a:ext>
+            </a:extLst>
+          </p:cNvPr>
+          <p:cNvSpPr>
+            <a:spLocks noGrp="1"/>
+          </p:cNvSpPr>
+          <p:nvPr>
+            <p:ph idx="1"/>
+          </p:nvPr>
+        </p:nvSpPr>
+        <p:spPr>
+          <a:xfrm>
+            <a:off x="720754" y="1439731"/>
+            <a:ext cx="10515600" cy="4351338"/>
+          </a:xfrm>
+        </p:spPr>
+        <p:txBody>
+          <a:bodyPr>
+            <a:normAutofit/>
+          </a:bodyPr>
+          <a:lstStyle/>
+          <a:p>
+            <a:r>
+              <a:rPr lang="en-GB" dirty="0"/>
+              <a:t>Sequence of characters as an object of the class</a:t>
+            </a:r>
+          </a:p>
+          <a:p>
+            <a:r>
+              <a:rPr lang="en-GB" dirty="0"/>
+              <a:t>Input, Capacity, Iterator, Manipulation</a:t>
+            </a:r>
+          </a:p>
+          <a:p>
+            <a:endParaRPr lang="en-GB" dirty="0"/>
+          </a:p>
+          <a:p>
+            <a:endParaRPr lang="en-GB" dirty="0"/>
+          </a:p>
+          <a:p>
+            <a:endParaRPr lang="en-GB" dirty="0"/>
+          </a:p>
+        </p:txBody>
+      </p:sp>
+      <p:pic>
+        <p:nvPicPr>
+          <p:cNvPr id="5" name="Picture 4">
+            <a:extLst>
+              <a:ext uri="{FF2B5EF4-FFF2-40B4-BE49-F238E27FC236}">
+                <a16:creationId xmlns:a16="http://schemas.microsoft.com/office/drawing/2014/main" id="{96FF0C33-466D-A8CC-6ABA-C4C6D126FF71}"/>
+              </a:ext>
+            </a:extLst>
+          </p:cNvPr>
+          <p:cNvPicPr>
+            <a:picLocks noChangeAspect="1"/>
+          </p:cNvPicPr>
+          <p:nvPr/>
+        </p:nvPicPr>
+        <p:blipFill>
+          <a:blip r:embed="rId2"/>
+          <a:stretch>
+            <a:fillRect/>
+          </a:stretch>
+        </p:blipFill>
+        <p:spPr>
+          <a:xfrm>
+            <a:off x="838200" y="2649894"/>
+            <a:ext cx="3134303" cy="3961098"/>
+          </a:xfrm>
+          <a:prstGeom prst="rect">
+            <a:avLst/>
+          </a:prstGeom>
+        </p:spPr>
+      </p:pic>
+      <p:pic>
+        <p:nvPicPr>
+          <p:cNvPr id="7" name="Picture 6">
+            <a:extLst>
+              <a:ext uri="{FF2B5EF4-FFF2-40B4-BE49-F238E27FC236}">
+                <a16:creationId xmlns:a16="http://schemas.microsoft.com/office/drawing/2014/main" id="{05A49ED1-726A-A1F8-6375-D6FA5B6B8B1F}"/>
+              </a:ext>
+            </a:extLst>
+          </p:cNvPr>
+          <p:cNvPicPr>
+            <a:picLocks noChangeAspect="1"/>
+          </p:cNvPicPr>
+          <p:nvPr/>
+        </p:nvPicPr>
+        <p:blipFill>
+          <a:blip r:embed="rId3"/>
+          <a:stretch>
+            <a:fillRect/>
+          </a:stretch>
+        </p:blipFill>
+        <p:spPr>
+          <a:xfrm>
+            <a:off x="4185200" y="2649892"/>
+            <a:ext cx="3643576" cy="3961099"/>
+          </a:xfrm>
+          <a:prstGeom prst="rect">
+            <a:avLst/>
+          </a:prstGeom>
+        </p:spPr>
+      </p:pic>
+      <p:pic>
+        <p:nvPicPr>
+          <p:cNvPr id="9" name="Picture 8">
+            <a:extLst>
+              <a:ext uri="{FF2B5EF4-FFF2-40B4-BE49-F238E27FC236}">
+                <a16:creationId xmlns:a16="http://schemas.microsoft.com/office/drawing/2014/main" id="{6B28D7E1-5A9A-01E5-4D6F-6B631911A487}"/>
+              </a:ext>
+            </a:extLst>
+          </p:cNvPr>
+          <p:cNvPicPr>
+            <a:picLocks noChangeAspect="1"/>
+          </p:cNvPicPr>
+          <p:nvPr/>
+        </p:nvPicPr>
+        <p:blipFill>
+          <a:blip r:embed="rId4"/>
+          <a:stretch>
+            <a:fillRect/>
+          </a:stretch>
+        </p:blipFill>
+        <p:spPr>
+          <a:xfrm>
+            <a:off x="8041473" y="2649892"/>
+            <a:ext cx="4039164" cy="3200847"/>
+          </a:xfrm>
+          <a:prstGeom prst="rect">
+            <a:avLst/>
+          </a:prstGeom>
+        </p:spPr>
+      </p:pic>
+    </p:spTree>
+    <p:extLst>
+      <p:ext uri="{BB962C8B-B14F-4D97-AF65-F5344CB8AC3E}">
+        <p14:creationId xmlns:p14="http://schemas.microsoft.com/office/powerpoint/2010/main" val="2214161180"/>
+      </p:ext>
+    </p:extLst>
+  </p:cSld>
+  <p:clrMapOvr>
+    <a:masterClrMapping/>
+  </p:clrMapOvr>
+</p:sld>
+</file>
+
+<file path=ppt/slides/slide4.xml><?xml version="1.0" encoding="utf-8"?>
+<p:sld xmlns:a="http://schemas.openxmlformats.org/drawingml/2006/main" xmlns:r="http://schemas.openxmlformats.org/officeDocument/2006/relationships" xmlns:p="http://schemas.openxmlformats.org/presentationml/2006/main">
+  <p:cSld>
+    <p:spTree>
+      <p:nvGrpSpPr>
+        <p:cNvPr id="1" name=""/>
+        <p:cNvGrpSpPr/>
+        <p:nvPr/>
+      </p:nvGrpSpPr>
+      <p:grpSpPr>
+        <a:xfrm>
+          <a:off x="0" y="0"/>
+          <a:ext cx="0" cy="0"/>
+          <a:chOff x="0" y="0"/>
+          <a:chExt cx="0" cy="0"/>
+        </a:xfrm>
+      </p:grpSpPr>
+      <p:sp>
+        <p:nvSpPr>
+          <p:cNvPr id="2" name="Title 1">
+            <a:extLst>
+              <a:ext uri="{FF2B5EF4-FFF2-40B4-BE49-F238E27FC236}">
+                <a16:creationId xmlns:a16="http://schemas.microsoft.com/office/drawing/2014/main" id="{74880610-6B8F-0049-0453-7CCE52B44BF3}"/>
+              </a:ext>
+            </a:extLst>
+          </p:cNvPr>
+          <p:cNvSpPr>
+            <a:spLocks noGrp="1"/>
+          </p:cNvSpPr>
+          <p:nvPr>
+            <p:ph type="title"/>
+          </p:nvPr>
+        </p:nvSpPr>
+        <p:spPr/>
+        <p:txBody>
+          <a:bodyPr/>
+          <a:lstStyle/>
+          <a:p>
+            <a:r>
+              <a:rPr lang="en-US" dirty="0"/>
+              <a:t>string</a:t>
+            </a:r>
+          </a:p>
+        </p:txBody>
+      </p:sp>
+      <p:sp>
+        <p:nvSpPr>
+          <p:cNvPr id="3" name="Content Placeholder 2">
+            <a:extLst>
+              <a:ext uri="{FF2B5EF4-FFF2-40B4-BE49-F238E27FC236}">
+                <a16:creationId xmlns:a16="http://schemas.microsoft.com/office/drawing/2014/main" id="{6AABCCB0-7017-DF98-D434-B31366113BC7}"/>
+              </a:ext>
+            </a:extLst>
+          </p:cNvPr>
+          <p:cNvSpPr>
+            <a:spLocks noGrp="1"/>
+          </p:cNvSpPr>
+          <p:nvPr>
+            <p:ph idx="1"/>
+          </p:nvPr>
+        </p:nvSpPr>
+        <p:spPr>
+          <a:xfrm>
+            <a:off x="720754" y="1439731"/>
+            <a:ext cx="10515600" cy="4351338"/>
+          </a:xfrm>
+        </p:spPr>
+        <p:txBody>
+          <a:bodyPr>
+            <a:normAutofit/>
+          </a:bodyPr>
+          <a:lstStyle/>
+          <a:p>
+            <a:r>
+              <a:rPr lang="en-GB" dirty="0"/>
+              <a:t>Interesting concepts:</a:t>
+            </a:r>
+          </a:p>
+          <a:p>
+            <a:pPr lvl="1"/>
+            <a:r>
+              <a:rPr lang="en-US" b="1" dirty="0" err="1"/>
+              <a:t>std:string</a:t>
+            </a:r>
+            <a:r>
+              <a:rPr lang="en-US" b="1" dirty="0"/>
+              <a:t> not a subclass of vector</a:t>
+            </a:r>
+            <a:endParaRPr lang="en-GB" b="1" dirty="0"/>
+          </a:p>
+          <a:p>
+            <a:pPr lvl="1"/>
+            <a:r>
+              <a:rPr lang="en-GB" dirty="0"/>
+              <a:t>string vs vector &lt;char&gt;: Easier initialisation and functions for string</a:t>
+            </a:r>
+          </a:p>
+          <a:p>
+            <a:pPr lvl="1"/>
+            <a:r>
+              <a:rPr lang="en-GB" dirty="0"/>
+              <a:t>string vs </a:t>
+            </a:r>
+            <a:r>
+              <a:rPr lang="en-GB" dirty="0" err="1"/>
+              <a:t>const</a:t>
+            </a:r>
+            <a:r>
+              <a:rPr lang="en-GB" dirty="0"/>
+              <a:t> char*: ??</a:t>
+            </a:r>
+          </a:p>
+          <a:p>
+            <a:pPr lvl="2"/>
+            <a:endParaRPr lang="en-GB" dirty="0"/>
+          </a:p>
+          <a:p>
+            <a:pPr lvl="2"/>
+            <a:endParaRPr lang="en-GB" dirty="0"/>
+          </a:p>
+          <a:p>
+            <a:pPr lvl="2"/>
+            <a:endParaRPr lang="en-GB" dirty="0"/>
+          </a:p>
+        </p:txBody>
+      </p:sp>
+    </p:spTree>
+    <p:extLst>
+      <p:ext uri="{BB962C8B-B14F-4D97-AF65-F5344CB8AC3E}">
+        <p14:creationId xmlns:p14="http://schemas.microsoft.com/office/powerpoint/2010/main" val="3200213646"/>
+      </p:ext>
+    </p:extLst>
+  </p:cSld>
+  <p:clrMapOvr>
+    <a:masterClrMapping/>
+  </p:clrMapOvr>
+</p:sld>
+</file>
+
+<file path=ppt/slides/slide5.xml><?xml version="1.0" encoding="utf-8"?>
+<p:sld xmlns:a="http://schemas.openxmlformats.org/drawingml/2006/main" xmlns:r="http://schemas.openxmlformats.org/officeDocument/2006/relationships" xmlns:p="http://schemas.openxmlformats.org/presentationml/2006/main">
+  <p:cSld>
+    <p:spTree>
+      <p:nvGrpSpPr>
+        <p:cNvPr id="1" name=""/>
+        <p:cNvGrpSpPr/>
+        <p:nvPr/>
+      </p:nvGrpSpPr>
+      <p:grpSpPr>
+        <a:xfrm>
+          <a:off x="0" y="0"/>
+          <a:ext cx="0" cy="0"/>
+          <a:chOff x="0" y="0"/>
+          <a:chExt cx="0" cy="0"/>
+        </a:xfrm>
+      </p:grpSpPr>
+      <p:sp>
+        <p:nvSpPr>
+          <p:cNvPr id="2" name="Title 1">
+            <a:extLst>
+              <a:ext uri="{FF2B5EF4-FFF2-40B4-BE49-F238E27FC236}">
+                <a16:creationId xmlns:a16="http://schemas.microsoft.com/office/drawing/2014/main" id="{74880610-6B8F-0049-0453-7CCE52B44BF3}"/>
+              </a:ext>
+            </a:extLst>
+          </p:cNvPr>
+          <p:cNvSpPr>
+            <a:spLocks noGrp="1"/>
+          </p:cNvSpPr>
+          <p:nvPr>
+            <p:ph type="title"/>
+          </p:nvPr>
+        </p:nvSpPr>
+        <p:spPr/>
+        <p:txBody>
+          <a:bodyPr/>
+          <a:lstStyle/>
+          <a:p>
+            <a:r>
+              <a:rPr lang="en-US" dirty="0" err="1"/>
+              <a:t>unordered_map</a:t>
+            </a:r>
+            <a:endParaRPr lang="en-US" dirty="0"/>
+          </a:p>
+        </p:txBody>
+      </p:sp>
+      <p:sp>
+        <p:nvSpPr>
+          <p:cNvPr id="3" name="Content Placeholder 2">
+            <a:extLst>
+              <a:ext uri="{FF2B5EF4-FFF2-40B4-BE49-F238E27FC236}">
+                <a16:creationId xmlns:a16="http://schemas.microsoft.com/office/drawing/2014/main" id="{6AABCCB0-7017-DF98-D434-B31366113BC7}"/>
+              </a:ext>
+            </a:extLst>
+          </p:cNvPr>
+          <p:cNvSpPr>
+            <a:spLocks noGrp="1"/>
+          </p:cNvSpPr>
+          <p:nvPr>
+            <p:ph idx="1"/>
+          </p:nvPr>
+        </p:nvSpPr>
+        <p:spPr>
+          <a:xfrm>
+            <a:off x="720754" y="1439731"/>
+            <a:ext cx="10515600" cy="4351338"/>
+          </a:xfrm>
+        </p:spPr>
+        <p:txBody>
+          <a:bodyPr>
+            <a:normAutofit/>
+          </a:bodyPr>
+          <a:lstStyle/>
+          <a:p>
+            <a:r>
+              <a:rPr lang="en-GB" dirty="0"/>
+              <a:t>Elements stored  as a dictionary without any order.</a:t>
+            </a:r>
+          </a:p>
+          <a:p>
+            <a:r>
+              <a:rPr lang="en-US" dirty="0"/>
+              <a:t>Search/ Insert/ Delete</a:t>
+            </a:r>
+          </a:p>
+          <a:p>
+            <a:endParaRPr lang="en-US" dirty="0"/>
+          </a:p>
+          <a:p>
+            <a:endParaRPr lang="en-GB" dirty="0"/>
+          </a:p>
+        </p:txBody>
+      </p:sp>
+      <p:pic>
+        <p:nvPicPr>
+          <p:cNvPr id="5" name="Picture 4">
+            <a:extLst>
+              <a:ext uri="{FF2B5EF4-FFF2-40B4-BE49-F238E27FC236}">
+                <a16:creationId xmlns:a16="http://schemas.microsoft.com/office/drawing/2014/main" id="{201DB8DD-D992-59ED-6766-172FE1002610}"/>
+              </a:ext>
+            </a:extLst>
+          </p:cNvPr>
+          <p:cNvPicPr>
+            <a:picLocks noChangeAspect="1"/>
+          </p:cNvPicPr>
+          <p:nvPr/>
+        </p:nvPicPr>
+        <p:blipFill>
+          <a:blip r:embed="rId2"/>
+          <a:stretch>
+            <a:fillRect/>
+          </a:stretch>
+        </p:blipFill>
+        <p:spPr>
+          <a:xfrm>
+            <a:off x="720754" y="2542930"/>
+            <a:ext cx="2810267" cy="3505689"/>
+          </a:xfrm>
+          <a:prstGeom prst="rect">
+            <a:avLst/>
+          </a:prstGeom>
+        </p:spPr>
+      </p:pic>
+      <p:pic>
+        <p:nvPicPr>
+          <p:cNvPr id="7" name="Picture 6">
+            <a:extLst>
+              <a:ext uri="{FF2B5EF4-FFF2-40B4-BE49-F238E27FC236}">
+                <a16:creationId xmlns:a16="http://schemas.microsoft.com/office/drawing/2014/main" id="{FB5E4FE9-4F4E-90D8-B42C-6C012848CC6F}"/>
+              </a:ext>
+            </a:extLst>
+          </p:cNvPr>
+          <p:cNvPicPr>
+            <a:picLocks noChangeAspect="1"/>
+          </p:cNvPicPr>
+          <p:nvPr/>
+        </p:nvPicPr>
+        <p:blipFill>
+          <a:blip r:embed="rId3"/>
+          <a:stretch>
+            <a:fillRect/>
+          </a:stretch>
+        </p:blipFill>
+        <p:spPr>
+          <a:xfrm>
+            <a:off x="3830163" y="3710616"/>
+            <a:ext cx="762106" cy="743054"/>
+          </a:xfrm>
+          <a:prstGeom prst="rect">
+            <a:avLst/>
+          </a:prstGeom>
+        </p:spPr>
+      </p:pic>
+      <p:pic>
+        <p:nvPicPr>
+          <p:cNvPr id="9" name="Picture 8">
+            <a:extLst>
+              <a:ext uri="{FF2B5EF4-FFF2-40B4-BE49-F238E27FC236}">
+                <a16:creationId xmlns:a16="http://schemas.microsoft.com/office/drawing/2014/main" id="{4C65FB3A-6D33-1E92-067B-B58B8899DCA2}"/>
+              </a:ext>
+            </a:extLst>
+          </p:cNvPr>
+          <p:cNvPicPr>
+            <a:picLocks noChangeAspect="1"/>
+          </p:cNvPicPr>
+          <p:nvPr/>
+        </p:nvPicPr>
+        <p:blipFill>
+          <a:blip r:embed="rId4"/>
+          <a:stretch>
+            <a:fillRect/>
+          </a:stretch>
+        </p:blipFill>
+        <p:spPr>
+          <a:xfrm>
+            <a:off x="5083079" y="3710616"/>
+            <a:ext cx="895475" cy="752580"/>
+          </a:xfrm>
+          <a:prstGeom prst="rect">
+            <a:avLst/>
+          </a:prstGeom>
+        </p:spPr>
+      </p:pic>
+      <p:pic>
+        <p:nvPicPr>
+          <p:cNvPr id="11" name="Picture 10">
+            <a:extLst>
+              <a:ext uri="{FF2B5EF4-FFF2-40B4-BE49-F238E27FC236}">
+                <a16:creationId xmlns:a16="http://schemas.microsoft.com/office/drawing/2014/main" id="{65A11955-2DF9-8D6A-7E13-CC995F4964E7}"/>
+              </a:ext>
+            </a:extLst>
+          </p:cNvPr>
+          <p:cNvPicPr>
+            <a:picLocks noChangeAspect="1"/>
+          </p:cNvPicPr>
+          <p:nvPr/>
+        </p:nvPicPr>
+        <p:blipFill>
+          <a:blip r:embed="rId5"/>
+          <a:stretch>
+            <a:fillRect/>
+          </a:stretch>
+        </p:blipFill>
+        <p:spPr>
+          <a:xfrm>
+            <a:off x="6559293" y="2199982"/>
+            <a:ext cx="4096322" cy="3848637"/>
+          </a:xfrm>
+          <a:prstGeom prst="rect">
+            <a:avLst/>
+          </a:prstGeom>
+        </p:spPr>
+      </p:pic>
+    </p:spTree>
+    <p:extLst>
+      <p:ext uri="{BB962C8B-B14F-4D97-AF65-F5344CB8AC3E}">
+        <p14:creationId xmlns:p14="http://schemas.microsoft.com/office/powerpoint/2010/main" val="4006182002"/>
+      </p:ext>
+    </p:extLst>
+  </p:cSld>
+  <p:clrMapOvr>
+    <a:masterClrMapping/>
+  </p:clrMapOvr>
+</p:sld>
+</file>
+
+<file path=ppt/slides/slide6.xml><?xml version="1.0" encoding="utf-8"?>
+<p:sld xmlns:a="http://schemas.openxmlformats.org/drawingml/2006/main" xmlns:r="http://schemas.openxmlformats.org/officeDocument/2006/relationships" xmlns:p="http://schemas.openxmlformats.org/presentationml/2006/main">
+  <p:cSld>
+    <p:spTree>
+      <p:nvGrpSpPr>
+        <p:cNvPr id="1" name=""/>
+        <p:cNvGrpSpPr/>
+        <p:nvPr/>
+      </p:nvGrpSpPr>
+      <p:grpSpPr>
+        <a:xfrm>
+          <a:off x="0" y="0"/>
+          <a:ext cx="0" cy="0"/>
+          <a:chOff x="0" y="0"/>
+          <a:chExt cx="0" cy="0"/>
+        </a:xfrm>
+      </p:grpSpPr>
+      <p:sp>
+        <p:nvSpPr>
+          <p:cNvPr id="2" name="Title 1">
+            <a:extLst>
+              <a:ext uri="{FF2B5EF4-FFF2-40B4-BE49-F238E27FC236}">
+                <a16:creationId xmlns:a16="http://schemas.microsoft.com/office/drawing/2014/main" id="{74880610-6B8F-0049-0453-7CCE52B44BF3}"/>
+              </a:ext>
+            </a:extLst>
+          </p:cNvPr>
+          <p:cNvSpPr>
+            <a:spLocks noGrp="1"/>
+          </p:cNvSpPr>
+          <p:nvPr>
+            <p:ph type="title"/>
+          </p:nvPr>
+        </p:nvSpPr>
+        <p:spPr/>
+        <p:txBody>
+          <a:bodyPr/>
+          <a:lstStyle/>
+          <a:p>
+            <a:r>
+              <a:rPr lang="en-US" dirty="0" err="1"/>
+              <a:t>unordered_map</a:t>
+            </a:r>
+            <a:endParaRPr lang="en-US" dirty="0"/>
+          </a:p>
+        </p:txBody>
+      </p:sp>
+      <p:sp>
+        <p:nvSpPr>
+          <p:cNvPr id="3" name="Content Placeholder 2">
+            <a:extLst>
+              <a:ext uri="{FF2B5EF4-FFF2-40B4-BE49-F238E27FC236}">
+                <a16:creationId xmlns:a16="http://schemas.microsoft.com/office/drawing/2014/main" id="{6AABCCB0-7017-DF98-D434-B31366113BC7}"/>
+              </a:ext>
+            </a:extLst>
+          </p:cNvPr>
+          <p:cNvSpPr>
+            <a:spLocks noGrp="1"/>
+          </p:cNvSpPr>
+          <p:nvPr>
+            <p:ph idx="1"/>
+          </p:nvPr>
+        </p:nvSpPr>
+        <p:spPr>
+          <a:xfrm>
+            <a:off x="720754" y="1439731"/>
+            <a:ext cx="10515600" cy="4351338"/>
+          </a:xfrm>
+        </p:spPr>
+        <p:txBody>
+          <a:bodyPr>
+            <a:normAutofit/>
+          </a:bodyPr>
+          <a:lstStyle/>
+          <a:p>
+            <a:r>
+              <a:rPr lang="en-GB" dirty="0"/>
+              <a:t>Elements stored  as a dictionary without any order.</a:t>
+            </a:r>
+          </a:p>
+          <a:p>
+            <a:r>
+              <a:rPr lang="en-US" dirty="0"/>
+              <a:t>Search/ Insert/ Delete: Θ(1) time.</a:t>
+            </a:r>
+          </a:p>
+          <a:p>
+            <a:r>
+              <a:rPr lang="en-GB" dirty="0" err="1"/>
+              <a:t>unordered_map</a:t>
+            </a:r>
+            <a:r>
+              <a:rPr lang="en-GB" dirty="0"/>
+              <a:t> vs map:</a:t>
+            </a:r>
+          </a:p>
+          <a:p>
+            <a:pPr lvl="1"/>
+            <a:r>
+              <a:rPr lang="en-GB" dirty="0"/>
+              <a:t>Order of keys</a:t>
+            </a:r>
+          </a:p>
+          <a:p>
+            <a:pPr lvl="1"/>
+            <a:r>
+              <a:rPr lang="en-GB" dirty="0"/>
+              <a:t>Hash table vs BST </a:t>
+            </a:r>
+          </a:p>
+          <a:p>
+            <a:pPr lvl="1"/>
+            <a:endParaRPr lang="en-GB" dirty="0"/>
+          </a:p>
+          <a:p>
+            <a:pPr lvl="1"/>
+            <a:endParaRPr lang="en-GB" dirty="0"/>
+          </a:p>
+        </p:txBody>
+      </p:sp>
+    </p:spTree>
+    <p:extLst>
+      <p:ext uri="{BB962C8B-B14F-4D97-AF65-F5344CB8AC3E}">
+        <p14:creationId xmlns:p14="http://schemas.microsoft.com/office/powerpoint/2010/main" val="1453119461"/>
+      </p:ext>
+    </p:extLst>
+  </p:cSld>
+  <p:clrMapOvr>
+    <a:masterClrMapping/>
+  </p:clrMapOvr>
+</p:sld>
+</file>
+
 <file path=ppt/slides/slide7.xml><?xml version="1.0" encoding="utf-8"?>
 <p:sld xmlns:a="http://schemas.openxmlformats.org/drawingml/2006/main" xmlns:r="http://schemas.openxmlformats.org/officeDocument/2006/relationships" xmlns:p="http://schemas.openxmlformats.org/presentationml/2006/main">
   <p:cSld>
@@ -4650,10 +5347,9 @@
           <a:lstStyle/>
           <a:p>
             <a:r>
-              <a:rPr lang="en-US" dirty="0" err="1"/>
-              <a:t>unordered_map</a:t>
-            </a:r>
-            <a:endParaRPr lang="en-US" dirty="0"/>
+              <a:rPr lang="en-US" dirty="0"/>
+              <a:t>optional</a:t>
+            </a:r>
           </a:p>
         </p:txBody>
       </p:sp>
@@ -4686,57 +5382,61 @@
           <a:lstStyle/>
           <a:p>
             <a:r>
-              <a:rPr lang="en-GB" dirty="0"/>
-              <a:t>Elements stored  as a dictionary without any order.</a:t>
-            </a:r>
-          </a:p>
-          <a:p>
-            <a:r>
               <a:rPr lang="en-US" dirty="0"/>
-              <a:t>Search/ Insert/ Delete: Θ(1) time.</a:t>
+              <a:t>??</a:t>
+            </a:r>
+          </a:p>
+          <a:p>
+            <a:r>
+              <a:rPr lang="en-US" dirty="0"/>
+              <a:t>Class Template</a:t>
+            </a:r>
+          </a:p>
+          <a:p>
+            <a:r>
+              <a:rPr lang="en-US" dirty="0"/>
+              <a:t>Manages a value that may or may not be present.</a:t>
             </a:r>
           </a:p>
           <a:p>
             <a:endParaRPr lang="en-GB" dirty="0"/>
           </a:p>
-          <a:p>
-            <a:r>
-              <a:rPr lang="en-GB" dirty="0" err="1"/>
-              <a:t>unordered_map</a:t>
-            </a:r>
-            <a:r>
-              <a:rPr lang="en-GB" dirty="0"/>
-              <a:t> vs map:</a:t>
-            </a:r>
-          </a:p>
-          <a:p>
-            <a:pPr lvl="1"/>
-            <a:r>
-              <a:rPr lang="en-GB" dirty="0"/>
-              <a:t>Order of keys</a:t>
-            </a:r>
-          </a:p>
-          <a:p>
-            <a:pPr lvl="1"/>
-            <a:r>
-              <a:rPr lang="en-GB" dirty="0"/>
-              <a:t>Hash table vs BST </a:t>
-            </a:r>
-          </a:p>
-          <a:p>
-            <a:pPr lvl="1"/>
-            <a:endParaRPr lang="en-GB" dirty="0"/>
-          </a:p>
-          <a:p>
-            <a:pPr lvl="1"/>
-            <a:endParaRPr lang="en-GB" dirty="0"/>
-          </a:p>
-        </p:txBody>
-      </p:sp>
+        </p:txBody>
+      </p:sp>
+      <p:pic>
+        <p:nvPicPr>
+          <p:cNvPr id="5" name="Picture 4">
+            <a:extLst>
+              <a:ext uri="{FF2B5EF4-FFF2-40B4-BE49-F238E27FC236}">
+                <a16:creationId xmlns:a16="http://schemas.microsoft.com/office/drawing/2014/main" id="{15F35BBA-749B-99D0-DD21-D939C9EA9F8A}"/>
+              </a:ext>
+            </a:extLst>
+          </p:cNvPr>
+          <p:cNvPicPr>
+            <a:picLocks noChangeAspect="1"/>
+          </p:cNvPicPr>
+          <p:nvPr/>
+        </p:nvPicPr>
+        <p:blipFill>
+          <a:blip r:embed="rId2"/>
+          <a:stretch>
+            <a:fillRect/>
+          </a:stretch>
+        </p:blipFill>
+        <p:spPr>
+          <a:xfrm>
+            <a:off x="3983551" y="3840346"/>
+            <a:ext cx="7487695" cy="1324160"/>
+          </a:xfrm>
+          <a:prstGeom prst="rect">
+            <a:avLst/>
+          </a:prstGeom>
+        </p:spPr>
+      </p:pic>
     </p:spTree>
     <p:extLst>
       <p:ext uri="{BB962C8B-B14F-4D97-AF65-F5344CB8AC3E}">
-        <p14:creationId xmlns:p14="http://schemas.microsoft.com/office/powerpoint/2010/main" val="902908605"/>
+        <p14:creationId xmlns:p14="http://schemas.microsoft.com/office/powerpoint/2010/main" val="556226491"/>
       </p:ext>
     </p:extLst>
   </p:cSld>
@@ -4768,7 +5468,7 @@
           <p:cNvPr id="2" name="Title 1">
             <a:extLst>
               <a:ext uri="{FF2B5EF4-FFF2-40B4-BE49-F238E27FC236}">
-                <a16:creationId xmlns:a16="http://schemas.microsoft.com/office/drawing/2014/main" id="{74880610-6B8F-0049-0453-7CCE52B44BF3}"/>
+                <a16:creationId xmlns:a16="http://schemas.microsoft.com/office/drawing/2014/main" id="{E6252DB6-C6A3-5DE2-006C-BC79CAD92FB4}"/>
               </a:ext>
             </a:extLst>
           </p:cNvPr>
@@ -4783,10 +5483,200 @@
         <p:txBody>
           <a:bodyPr/>
           <a:lstStyle/>
+          <a:p>
+            <a:r>
+              <a:rPr lang="en-US" dirty="0"/>
+              <a:t>Presentation 21/10/2022</a:t>
+            </a:r>
+          </a:p>
+        </p:txBody>
+      </p:sp>
+      <p:sp>
+        <p:nvSpPr>
+          <p:cNvPr id="3" name="Content Placeholder 2">
+            <a:extLst>
+              <a:ext uri="{FF2B5EF4-FFF2-40B4-BE49-F238E27FC236}">
+                <a16:creationId xmlns:a16="http://schemas.microsoft.com/office/drawing/2014/main" id="{06F0B733-C506-4CC6-3659-A8D879B243DE}"/>
+              </a:ext>
+            </a:extLst>
+          </p:cNvPr>
+          <p:cNvSpPr>
+            <a:spLocks noGrp="1"/>
+          </p:cNvSpPr>
+          <p:nvPr>
+            <p:ph idx="1"/>
+          </p:nvPr>
+        </p:nvSpPr>
+        <p:spPr>
+          <a:xfrm>
+            <a:off x="838200" y="1825625"/>
+            <a:ext cx="3201955" cy="4351338"/>
+          </a:xfrm>
+        </p:spPr>
+        <p:txBody>
+          <a:bodyPr/>
+          <a:lstStyle/>
+          <a:p>
+            <a:r>
+              <a:rPr lang="en-US" dirty="0"/>
+              <a:t>vector</a:t>
+            </a:r>
+          </a:p>
+          <a:p>
+            <a:r>
+              <a:rPr lang="en-US" dirty="0"/>
+              <a:t>string</a:t>
+            </a:r>
+          </a:p>
+          <a:p>
+            <a:r>
+              <a:rPr lang="en-US" dirty="0" err="1"/>
+              <a:t>unordered_map</a:t>
+            </a:r>
+            <a:endParaRPr lang="en-US" dirty="0"/>
+          </a:p>
           <a:p>
             <a:r>
               <a:rPr lang="en-US" dirty="0"/>
               <a:t>optional</a:t>
+            </a:r>
+          </a:p>
+          <a:p>
+            <a:endParaRPr lang="en-US" dirty="0"/>
+          </a:p>
+          <a:p>
+            <a:endParaRPr lang="en-US" dirty="0"/>
+          </a:p>
+          <a:p>
+            <a:endParaRPr lang="en-US" dirty="0"/>
+          </a:p>
+          <a:p>
+            <a:endParaRPr lang="en-US" dirty="0"/>
+          </a:p>
+          <a:p>
+            <a:endParaRPr lang="en-US" dirty="0"/>
+          </a:p>
+          <a:p>
+            <a:endParaRPr lang="en-US" dirty="0"/>
+          </a:p>
+          <a:p>
+            <a:endParaRPr lang="en-US" dirty="0"/>
+          </a:p>
+        </p:txBody>
+      </p:sp>
+      <p:sp>
+        <p:nvSpPr>
+          <p:cNvPr id="4" name="TextBox 3">
+            <a:extLst>
+              <a:ext uri="{FF2B5EF4-FFF2-40B4-BE49-F238E27FC236}">
+                <a16:creationId xmlns:a16="http://schemas.microsoft.com/office/drawing/2014/main" id="{E467C893-9420-BEA5-3E87-0A64EBA96C94}"/>
+              </a:ext>
+            </a:extLst>
+          </p:cNvPr>
+          <p:cNvSpPr txBox="1"/>
+          <p:nvPr/>
+        </p:nvSpPr>
+        <p:spPr>
+          <a:xfrm>
+            <a:off x="6096000" y="4385387"/>
+            <a:ext cx="5257800" cy="1200329"/>
+          </a:xfrm>
+          <a:prstGeom prst="rect">
+            <a:avLst/>
+          </a:prstGeom>
+          <a:noFill/>
+        </p:spPr>
+        <p:txBody>
+          <a:bodyPr wrap="square" rtlCol="0">
+            <a:spAutoFit/>
+          </a:bodyPr>
+          <a:lstStyle/>
+          <a:p>
+            <a:r>
+              <a:rPr lang="en-US" dirty="0"/>
+              <a:t>- General Description</a:t>
+            </a:r>
+          </a:p>
+          <a:p>
+            <a:r>
+              <a:rPr lang="en-US" dirty="0"/>
+              <a:t>- Interesting member functions and related topics</a:t>
+            </a:r>
+          </a:p>
+          <a:p>
+            <a:r>
+              <a:rPr lang="en-US" dirty="0"/>
+              <a:t>- Time Complexity</a:t>
+            </a:r>
+          </a:p>
+          <a:p>
+            <a:r>
+              <a:rPr lang="en-US" dirty="0"/>
+              <a:t>- Comparison with Python</a:t>
+            </a:r>
+            <a:endParaRPr lang="en-GB" dirty="0"/>
+          </a:p>
+        </p:txBody>
+      </p:sp>
+    </p:spTree>
+    <p:extLst>
+      <p:ext uri="{BB962C8B-B14F-4D97-AF65-F5344CB8AC3E}">
+        <p14:creationId xmlns:p14="http://schemas.microsoft.com/office/powerpoint/2010/main" val="4845292"/>
+      </p:ext>
+    </p:extLst>
+  </p:cSld>
+  <p:clrMapOvr>
+    <a:masterClrMapping/>
+  </p:clrMapOvr>
+</p:sld>
+</file>
+
+<file path=ppt/slides/slide9.xml><?xml version="1.0" encoding="utf-8"?>
+<p:sld xmlns:a="http://schemas.openxmlformats.org/drawingml/2006/main" xmlns:r="http://schemas.openxmlformats.org/officeDocument/2006/relationships" xmlns:p="http://schemas.openxmlformats.org/presentationml/2006/main">
+  <p:cSld>
+    <p:spTree>
+      <p:nvGrpSpPr>
+        <p:cNvPr id="1" name=""/>
+        <p:cNvGrpSpPr/>
+        <p:nvPr/>
+      </p:nvGrpSpPr>
+      <p:grpSpPr>
+        <a:xfrm>
+          <a:off x="0" y="0"/>
+          <a:ext cx="0" cy="0"/>
+          <a:chOff x="0" y="0"/>
+          <a:chExt cx="0" cy="0"/>
+        </a:xfrm>
+      </p:grpSpPr>
+      <p:sp>
+        <p:nvSpPr>
+          <p:cNvPr id="2" name="Title 1">
+            <a:extLst>
+              <a:ext uri="{FF2B5EF4-FFF2-40B4-BE49-F238E27FC236}">
+                <a16:creationId xmlns:a16="http://schemas.microsoft.com/office/drawing/2014/main" id="{74880610-6B8F-0049-0453-7CCE52B44BF3}"/>
+              </a:ext>
+            </a:extLst>
+          </p:cNvPr>
+          <p:cNvSpPr>
+            <a:spLocks noGrp="1"/>
+          </p:cNvSpPr>
+          <p:nvPr>
+            <p:ph type="title"/>
+          </p:nvPr>
+        </p:nvSpPr>
+        <p:spPr>
+          <a:xfrm>
+            <a:off x="838200" y="325368"/>
+            <a:ext cx="10515600" cy="1325563"/>
+          </a:xfrm>
+        </p:spPr>
+        <p:txBody>
+          <a:bodyPr/>
+          <a:lstStyle/>
+          <a:p>
+            <a:r>
+              <a:rPr lang="en-US" dirty="0"/>
+              <a:t>vector</a:t>
             </a:r>
           </a:p>
         </p:txBody>
@@ -4821,60 +5711,189 @@
           <a:p>
             <a:r>
               <a:rPr lang="en-US" dirty="0"/>
-              <a:t>??</a:t>
+              <a:t>Dynamic arrays with the ability to resize itself.</a:t>
             </a:r>
           </a:p>
           <a:p>
             <a:r>
               <a:rPr lang="en-US" dirty="0"/>
-              <a:t>Class Template</a:t>
+              <a:t>Element access: Iterators and offset</a:t>
             </a:r>
           </a:p>
           <a:p>
             <a:r>
               <a:rPr lang="en-US" dirty="0"/>
-              <a:t>Manages a value that may or may not be present.</a:t>
-            </a:r>
-          </a:p>
-          <a:p>
-            <a:endParaRPr lang="en-GB" dirty="0"/>
-          </a:p>
-        </p:txBody>
-      </p:sp>
-      <p:pic>
-        <p:nvPicPr>
-          <p:cNvPr id="5" name="Picture 4">
-            <a:extLst>
-              <a:ext uri="{FF2B5EF4-FFF2-40B4-BE49-F238E27FC236}">
-                <a16:creationId xmlns:a16="http://schemas.microsoft.com/office/drawing/2014/main" id="{15F35BBA-749B-99D0-DD21-D939C9EA9F8A}"/>
-              </a:ext>
-            </a:extLst>
-          </p:cNvPr>
-          <p:cNvPicPr>
-            <a:picLocks noChangeAspect="1"/>
-          </p:cNvPicPr>
+              <a:t>Iterators, Capacity, Element Access, Modifiers</a:t>
+            </a:r>
+          </a:p>
+          <a:p>
+            <a:r>
+              <a:rPr lang="en-US" dirty="0"/>
+              <a:t>Interesting concepts:</a:t>
+            </a:r>
+          </a:p>
+          <a:p>
+            <a:pPr lvl="1"/>
+            <a:r>
+              <a:rPr lang="en-US" dirty="0"/>
+              <a:t>Iterator Invalidation</a:t>
+            </a:r>
+          </a:p>
+          <a:p>
+            <a:pPr lvl="2"/>
+            <a:r>
+              <a:rPr lang="en-US" dirty="0"/>
+              <a:t>Certain operations can invalidate current iterators</a:t>
+            </a:r>
+          </a:p>
+          <a:p>
+            <a:pPr marL="914400" lvl="2" indent="0">
+              <a:buNone/>
+            </a:pPr>
+            <a:r>
+              <a:rPr lang="en-US" dirty="0"/>
+              <a:t>    (E.g.: Resizing.)</a:t>
+            </a:r>
+          </a:p>
+        </p:txBody>
+      </p:sp>
+      <p:grpSp>
+        <p:nvGrpSpPr>
+          <p:cNvPr id="9" name="Group 8">
+            <a:extLst>
+              <a:ext uri="{FF2B5EF4-FFF2-40B4-BE49-F238E27FC236}">
+                <a16:creationId xmlns:a16="http://schemas.microsoft.com/office/drawing/2014/main" id="{87374666-695D-11C8-145F-B2BE80FE58F5}"/>
+              </a:ext>
+            </a:extLst>
+          </p:cNvPr>
+          <p:cNvGrpSpPr/>
           <p:nvPr/>
-        </p:nvPicPr>
-        <p:blipFill>
-          <a:blip r:embed="rId2"/>
-          <a:stretch>
-            <a:fillRect/>
-          </a:stretch>
-        </p:blipFill>
-        <p:spPr>
+        </p:nvGrpSpPr>
+        <p:grpSpPr>
           <a:xfrm>
-            <a:off x="3983551" y="3840346"/>
-            <a:ext cx="7487695" cy="1324160"/>
+            <a:off x="7199304" y="3229761"/>
+            <a:ext cx="4572000" cy="2365696"/>
+            <a:chOff x="7164198" y="2315361"/>
+            <a:chExt cx="4572000" cy="2365696"/>
           </a:xfrm>
-          <a:prstGeom prst="rect">
-            <a:avLst/>
-          </a:prstGeom>
-        </p:spPr>
-      </p:pic>
+        </p:grpSpPr>
+        <p:pic>
+          <p:nvPicPr>
+            <p:cNvPr id="5" name="Picture 4">
+              <a:extLst>
+                <a:ext uri="{FF2B5EF4-FFF2-40B4-BE49-F238E27FC236}">
+                  <a16:creationId xmlns:a16="http://schemas.microsoft.com/office/drawing/2014/main" id="{F4B72D4C-300B-3229-6B18-71859F86E080}"/>
+                </a:ext>
+              </a:extLst>
+            </p:cNvPr>
+            <p:cNvPicPr>
+              <a:picLocks noChangeAspect="1"/>
+            </p:cNvPicPr>
+            <p:nvPr/>
+          </p:nvPicPr>
+          <p:blipFill>
+            <a:blip r:embed="rId2"/>
+            <a:stretch>
+              <a:fillRect/>
+            </a:stretch>
+          </p:blipFill>
+          <p:spPr>
+            <a:xfrm>
+              <a:off x="7256478" y="2432976"/>
+              <a:ext cx="4398539" cy="1739347"/>
+            </a:xfrm>
+            <a:prstGeom prst="rect">
+              <a:avLst/>
+            </a:prstGeom>
+          </p:spPr>
+        </p:pic>
+        <p:pic>
+          <p:nvPicPr>
+            <p:cNvPr id="7" name="Picture 6">
+              <a:extLst>
+                <a:ext uri="{FF2B5EF4-FFF2-40B4-BE49-F238E27FC236}">
+                  <a16:creationId xmlns:a16="http://schemas.microsoft.com/office/drawing/2014/main" id="{4FDD5A97-AB47-C00E-8B69-5DD8D4436A2C}"/>
+                </a:ext>
+              </a:extLst>
+            </p:cNvPr>
+            <p:cNvPicPr>
+              <a:picLocks noChangeAspect="1"/>
+            </p:cNvPicPr>
+            <p:nvPr/>
+          </p:nvPicPr>
+          <p:blipFill>
+            <a:blip r:embed="rId3"/>
+            <a:stretch>
+              <a:fillRect/>
+            </a:stretch>
+          </p:blipFill>
+          <p:spPr>
+            <a:xfrm>
+              <a:off x="7256478" y="4363676"/>
+              <a:ext cx="523948" cy="190527"/>
+            </a:xfrm>
+            <a:prstGeom prst="rect">
+              <a:avLst/>
+            </a:prstGeom>
+          </p:spPr>
+        </p:pic>
+        <p:sp>
+          <p:nvSpPr>
+            <p:cNvPr id="8" name="Rectangle 7">
+              <a:extLst>
+                <a:ext uri="{FF2B5EF4-FFF2-40B4-BE49-F238E27FC236}">
+                  <a16:creationId xmlns:a16="http://schemas.microsoft.com/office/drawing/2014/main" id="{F73EBA63-6015-0FCE-4CDF-9CEC89B0262B}"/>
+                </a:ext>
+              </a:extLst>
+            </p:cNvPr>
+            <p:cNvSpPr/>
+            <p:nvPr/>
+          </p:nvSpPr>
+          <p:spPr>
+            <a:xfrm>
+              <a:off x="7164198" y="2315361"/>
+              <a:ext cx="4572000" cy="2365696"/>
+            </a:xfrm>
+            <a:prstGeom prst="rect">
+              <a:avLst/>
+            </a:prstGeom>
+            <a:noFill/>
+            <a:ln>
+              <a:solidFill>
+                <a:schemeClr val="tx1"/>
+              </a:solidFill>
+            </a:ln>
+          </p:spPr>
+          <p:style>
+            <a:lnRef idx="2">
+              <a:schemeClr val="accent1">
+                <a:shade val="50000"/>
+              </a:schemeClr>
+            </a:lnRef>
+            <a:fillRef idx="1">
+              <a:schemeClr val="accent1"/>
+            </a:fillRef>
+            <a:effectRef idx="0">
+              <a:schemeClr val="accent1"/>
+            </a:effectRef>
+            <a:fontRef idx="minor">
+              <a:schemeClr val="lt1"/>
+            </a:fontRef>
+          </p:style>
+          <p:txBody>
+            <a:bodyPr rtlCol="0" anchor="ctr"/>
+            <a:lstStyle/>
+            <a:p>
+              <a:pPr algn="ctr"/>
+              <a:endParaRPr lang="en-US"/>
+            </a:p>
+          </p:txBody>
+        </p:sp>
+      </p:grpSp>
     </p:spTree>
     <p:extLst>
       <p:ext uri="{BB962C8B-B14F-4D97-AF65-F5344CB8AC3E}">
-        <p14:creationId xmlns:p14="http://schemas.microsoft.com/office/powerpoint/2010/main" val="3384942037"/>
+        <p14:creationId xmlns:p14="http://schemas.microsoft.com/office/powerpoint/2010/main" val="2520422284"/>
       </p:ext>
     </p:extLst>
   </p:cSld>
